--- a/Предприятие ООО.pptx
+++ b/Предприятие ООО.pptx
@@ -3,24 +3,25 @@
 <p:presentation xmlns:a="http://schemas.openxmlformats.org/drawingml/2006/main" xmlns:r="http://schemas.openxmlformats.org/officeDocument/2006/relationships" xmlns:p="http://schemas.openxmlformats.org/presentationml/2006/main" saveSubsetFonts="1">
   <p:sldMasterIdLst>
     <p:sldMasterId id="2147483717" r:id="rId4"/>
+    <p:sldMasterId id="2147483728" r:id="rId5"/>
   </p:sldMasterIdLst>
   <p:notesMasterIdLst>
-    <p:notesMasterId r:id="rId15"/>
+    <p:notesMasterId r:id="rId16"/>
   </p:notesMasterIdLst>
   <p:handoutMasterIdLst>
-    <p:handoutMasterId r:id="rId16"/>
+    <p:handoutMasterId r:id="rId17"/>
   </p:handoutMasterIdLst>
   <p:sldIdLst>
-    <p:sldId id="258" r:id="rId5"/>
-    <p:sldId id="284" r:id="rId6"/>
-    <p:sldId id="261" r:id="rId7"/>
-    <p:sldId id="293" r:id="rId8"/>
-    <p:sldId id="294" r:id="rId9"/>
-    <p:sldId id="295" r:id="rId10"/>
-    <p:sldId id="296" r:id="rId11"/>
-    <p:sldId id="297" r:id="rId12"/>
-    <p:sldId id="298" r:id="rId13"/>
-    <p:sldId id="262" r:id="rId14"/>
+    <p:sldId id="258" r:id="rId6"/>
+    <p:sldId id="284" r:id="rId7"/>
+    <p:sldId id="261" r:id="rId8"/>
+    <p:sldId id="293" r:id="rId9"/>
+    <p:sldId id="294" r:id="rId10"/>
+    <p:sldId id="295" r:id="rId11"/>
+    <p:sldId id="296" r:id="rId12"/>
+    <p:sldId id="297" r:id="rId13"/>
+    <p:sldId id="298" r:id="rId14"/>
+    <p:sldId id="262" r:id="rId15"/>
   </p:sldIdLst>
   <p:sldSz cx="12192000" cy="6858000"/>
   <p:notesSz cx="6858000" cy="9144000"/>
@@ -226,7 +227,7 @@
             <a:pPr rtl="0"/>
             <a:fld id="{066A90C3-6D70-4CC0-90BD-7391CC100288}" type="datetime1">
               <a:rPr lang="ru-RU" smtClean="0"/>
-              <a:t>23.02.2025</a:t>
+              <a:t>24.02.2025</a:t>
             </a:fld>
             <a:endParaRPr lang="ru-RU" dirty="0"/>
           </a:p>
@@ -407,7 +408,7 @@
             <a:fld id="{3B37CB3F-843C-4E4F-85F3-0CD250415562}" type="datetime1">
               <a:rPr lang="ru-RU" smtClean="0"/>
               <a:pPr/>
-              <a:t>23.02.2025</a:t>
+              <a:t>24.02.2025</a:t>
             </a:fld>
             <a:endParaRPr lang="ru-RU" dirty="0"/>
           </a:p>
@@ -1613,7 +1614,7 @@
             <a:pPr rtl="0"/>
             <a:fld id="{64F0A853-421F-499A-8F2C-A30F50FFCB8A}" type="datetime1">
               <a:rPr lang="ru-RU" noProof="0" smtClean="0"/>
-              <a:t>23.02.2025</a:t>
+              <a:t>24.02.2025</a:t>
             </a:fld>
             <a:endParaRPr lang="ru-RU" noProof="0" dirty="0"/>
           </a:p>
@@ -2241,7 +2242,7 @@
             <a:pPr rtl="0"/>
             <a:fld id="{63144760-2842-4F87-B160-D6308138EEE4}" type="datetime1">
               <a:rPr lang="ru-RU" noProof="0" smtClean="0"/>
-              <a:t>23.02.2025</a:t>
+              <a:t>24.02.2025</a:t>
             </a:fld>
             <a:endParaRPr lang="ru-RU" noProof="0" dirty="0"/>
           </a:p>
@@ -2598,7 +2599,7 @@
             <a:pPr rtl="0"/>
             <a:fld id="{0B24F2B1-4382-4CD5-BF36-A76F658DDF8B}" type="datetime1">
               <a:rPr lang="ru-RU" noProof="0" smtClean="0"/>
-              <a:t>23.02.2025</a:t>
+              <a:t>24.02.2025</a:t>
             </a:fld>
             <a:endParaRPr lang="ru-RU" noProof="0" dirty="0"/>
           </a:p>
@@ -2997,7 +2998,7 @@
             <a:pPr rtl="0"/>
             <a:fld id="{5CBCE005-CF70-47C7-943B-1B85D4E30B12}" type="datetime1">
               <a:rPr lang="ru-RU" noProof="0" smtClean="0"/>
-              <a:t>23.02.2025</a:t>
+              <a:t>24.02.2025</a:t>
             </a:fld>
             <a:endParaRPr lang="ru-RU" noProof="0" dirty="0"/>
           </a:p>
@@ -3480,7 +3481,7 @@
             <a:pPr rtl="0"/>
             <a:fld id="{7232E15A-CF9A-465D-A43B-0E134366459B}" type="datetime1">
               <a:rPr lang="ru-RU" noProof="0" smtClean="0"/>
-              <a:t>23.02.2025</a:t>
+              <a:t>24.02.2025</a:t>
             </a:fld>
             <a:endParaRPr lang="ru-RU" noProof="0" dirty="0"/>
           </a:p>
@@ -3871,7 +3872,7 @@
             <a:pPr rtl="0"/>
             <a:fld id="{56B3F4C8-7A25-444D-91C8-2271B0544136}" type="datetime1">
               <a:rPr lang="ru-RU" noProof="0" smtClean="0"/>
-              <a:t>23.02.2025</a:t>
+              <a:t>24.02.2025</a:t>
             </a:fld>
             <a:endParaRPr lang="ru-RU" noProof="0" dirty="0"/>
           </a:p>
@@ -4239,7 +4240,7 @@
             <a:pPr rtl="0"/>
             <a:fld id="{26F1E128-3D17-4B8C-8CB3-9EB08D9C14A6}" type="datetime1">
               <a:rPr lang="ru-RU" noProof="0" smtClean="0"/>
-              <a:t>23.02.2025</a:t>
+              <a:t>24.02.2025</a:t>
             </a:fld>
             <a:endParaRPr lang="ru-RU" noProof="0" dirty="0"/>
           </a:p>
@@ -4732,7 +4733,7 @@
             <a:pPr rtl="0"/>
             <a:fld id="{331CEDC5-4545-46C4-8C01-50930980F9C3}" type="datetime1">
               <a:rPr lang="ru-RU" noProof="0" smtClean="0"/>
-              <a:t>23.02.2025</a:t>
+              <a:t>24.02.2025</a:t>
             </a:fld>
             <a:endParaRPr lang="ru-RU" noProof="0" dirty="0"/>
           </a:p>
@@ -5232,7 +5233,7 @@
             <a:pPr rtl="0"/>
             <a:fld id="{01750109-67ED-4BB9-A441-1C74886B4944}" type="datetime1">
               <a:rPr lang="ru-RU" noProof="0" smtClean="0"/>
-              <a:t>23.02.2025</a:t>
+              <a:t>24.02.2025</a:t>
             </a:fld>
             <a:endParaRPr lang="ru-RU" noProof="0" dirty="0"/>
           </a:p>
@@ -5669,7 +5670,7 @@
             <a:pPr rtl="0"/>
             <a:fld id="{B0F981BA-4C3A-4604-A431-6A18CA52E143}" type="datetime1">
               <a:rPr lang="ru-RU" noProof="0" smtClean="0"/>
-              <a:t>23.02.2025</a:t>
+              <a:t>24.02.2025</a:t>
             </a:fld>
             <a:endParaRPr lang="ru-RU" noProof="0" dirty="0"/>
           </a:p>
@@ -5926,7 +5927,7 @@
             <a:pPr rtl="0"/>
             <a:fld id="{C74A5B61-B2AB-48DF-B122-84C1DD627AD8}" type="datetime1">
               <a:rPr lang="ru-RU" noProof="0" smtClean="0"/>
-              <a:t>23.02.2025</a:t>
+              <a:t>24.02.2025</a:t>
             </a:fld>
             <a:endParaRPr lang="ru-RU" noProof="0" dirty="0"/>
           </a:p>
@@ -6085,58 +6086,6 @@
       </p:sp>
       <p:sp>
         <p:nvSpPr>
-          <p:cNvPr id="12" name="Прямоугольник 11">
-            <a:extLst>
-              <a:ext uri="{FF2B5EF4-FFF2-40B4-BE49-F238E27FC236}">
-                <a16:creationId xmlns:a16="http://schemas.microsoft.com/office/drawing/2014/main" id="{A7C93D4F-3003-4D58-9AFB-356A0F800F42}"/>
-              </a:ext>
-            </a:extLst>
-          </p:cNvPr>
-          <p:cNvSpPr/>
-          <p:nvPr userDrawn="1"/>
-        </p:nvSpPr>
-        <p:spPr>
-          <a:xfrm>
-            <a:off x="6394450" y="0"/>
-            <a:ext cx="153926" cy="6858000"/>
-          </a:xfrm>
-          <a:prstGeom prst="rect">
-            <a:avLst/>
-          </a:prstGeom>
-          <a:solidFill>
-            <a:schemeClr val="bg2"/>
-          </a:solidFill>
-          <a:ln>
-            <a:noFill/>
-          </a:ln>
-        </p:spPr>
-        <p:style>
-          <a:lnRef idx="2">
-            <a:schemeClr val="accent1">
-              <a:shade val="50000"/>
-            </a:schemeClr>
-          </a:lnRef>
-          <a:fillRef idx="1">
-            <a:schemeClr val="accent1"/>
-          </a:fillRef>
-          <a:effectRef idx="0">
-            <a:schemeClr val="accent1"/>
-          </a:effectRef>
-          <a:fontRef idx="minor">
-            <a:schemeClr val="lt1"/>
-          </a:fontRef>
-        </p:style>
-        <p:txBody>
-          <a:bodyPr rtlCol="0" anchor="ctr"/>
-          <a:lstStyle/>
-          <a:p>
-            <a:pPr algn="ctr" rtl="0"/>
-            <a:endParaRPr lang="ru-RU" noProof="0" dirty="0"/>
-          </a:p>
-        </p:txBody>
-      </p:sp>
-      <p:sp>
-        <p:nvSpPr>
           <p:cNvPr id="4" name="Дата 3">
             <a:extLst>
               <a:ext uri="{FF2B5EF4-FFF2-40B4-BE49-F238E27FC236}">
@@ -6159,7 +6108,7 @@
             <a:pPr rtl="0"/>
             <a:fld id="{1128F629-0A04-47CB-9FC5-F24EBCAF694D}" type="datetime1">
               <a:rPr lang="ru-RU" noProof="0" smtClean="0"/>
-              <a:t>23.02.2025</a:t>
+              <a:t>24.02.2025</a:t>
             </a:fld>
             <a:endParaRPr lang="ru-RU" noProof="0" dirty="0"/>
           </a:p>
@@ -6392,7 +6341,7 @@
         </p:nvSpPr>
         <p:spPr>
           <a:xfrm>
-            <a:off x="6311900" y="0"/>
+            <a:off x="5410200" y="0"/>
             <a:ext cx="153926" cy="6858000"/>
           </a:xfrm>
           <a:prstGeom prst="rect">
@@ -6427,6 +6376,42 @@
           </a:p>
         </p:txBody>
       </p:sp>
+      <p:pic>
+        <p:nvPicPr>
+          <p:cNvPr id="14" name="Рисунок 13" descr="Группа людей в беседе">
+            <a:extLst>
+              <a:ext uri="{FF2B5EF4-FFF2-40B4-BE49-F238E27FC236}">
+                <a16:creationId xmlns:a16="http://schemas.microsoft.com/office/drawing/2014/main" id="{2769D37E-1D39-45FB-AB9B-B5F09D57AC44}"/>
+              </a:ext>
+            </a:extLst>
+          </p:cNvPr>
+          <p:cNvPicPr>
+            <a:picLocks noChangeAspect="1"/>
+          </p:cNvPicPr>
+          <p:nvPr userDrawn="1"/>
+        </p:nvPicPr>
+        <p:blipFill rotWithShape="1">
+          <a:blip r:embed="rId2" cstate="print">
+            <a:grayscl/>
+            <a:extLst>
+              <a:ext uri="{28A0092B-C50C-407E-A947-70E740481C1C}">
+                <a14:useLocalDpi xmlns:a14="http://schemas.microsoft.com/office/drawing/2010/main" val="0"/>
+              </a:ext>
+            </a:extLst>
+          </a:blip>
+          <a:srcRect l="5365" r="8921"/>
+          <a:stretch/>
+        </p:blipFill>
+        <p:spPr>
+          <a:xfrm>
+            <a:off x="0" y="0"/>
+            <a:ext cx="5410200" cy="6858000"/>
+          </a:xfrm>
+          <a:prstGeom prst="rect">
+            <a:avLst/>
+          </a:prstGeom>
+        </p:spPr>
+      </p:pic>
     </p:spTree>
     <p:extLst>
       <p:ext uri="{BB962C8B-B14F-4D97-AF65-F5344CB8AC3E}">
@@ -6567,7 +6552,7 @@
             <a:pPr rtl="0"/>
             <a:fld id="{2B2BCE6D-20D5-4AE9-A17E-E68A25EDB90D}" type="datetime1">
               <a:rPr lang="ru-RU" noProof="0" smtClean="0"/>
-              <a:t>23.02.2025</a:t>
+              <a:t>24.02.2025</a:t>
             </a:fld>
             <a:endParaRPr lang="ru-RU" noProof="0" dirty="0"/>
           </a:p>
@@ -6694,6 +6679,2229 @@
 </p:sldLayout>
 </file>
 
+<file path=ppt/slideLayouts/slideLayout21.xml><?xml version="1.0" encoding="utf-8"?>
+<p:sldLayout xmlns:a="http://schemas.openxmlformats.org/drawingml/2006/main" xmlns:r="http://schemas.openxmlformats.org/officeDocument/2006/relationships" xmlns:p="http://schemas.openxmlformats.org/presentationml/2006/main" type="title" preserve="1">
+  <p:cSld name="Титульный слайд">
+    <p:spTree>
+      <p:nvGrpSpPr>
+        <p:cNvPr id="1" name=""/>
+        <p:cNvGrpSpPr/>
+        <p:nvPr/>
+      </p:nvGrpSpPr>
+      <p:grpSpPr>
+        <a:xfrm>
+          <a:off x="0" y="0"/>
+          <a:ext cx="0" cy="0"/>
+          <a:chOff x="0" y="0"/>
+          <a:chExt cx="0" cy="0"/>
+        </a:xfrm>
+      </p:grpSpPr>
+      <p:sp>
+        <p:nvSpPr>
+          <p:cNvPr id="2" name="Заголовок 1">
+            <a:extLst>
+              <a:ext uri="{FF2B5EF4-FFF2-40B4-BE49-F238E27FC236}">
+                <a16:creationId xmlns:a16="http://schemas.microsoft.com/office/drawing/2014/main" id="{D8B1117C-4EFF-41A4-8E40-AD05AD98A144}"/>
+              </a:ext>
+            </a:extLst>
+          </p:cNvPr>
+          <p:cNvSpPr>
+            <a:spLocks noGrp="1"/>
+          </p:cNvSpPr>
+          <p:nvPr>
+            <p:ph type="ctrTitle"/>
+          </p:nvPr>
+        </p:nvSpPr>
+        <p:spPr>
+          <a:xfrm>
+            <a:off x="1524000" y="1122363"/>
+            <a:ext cx="9144000" cy="2387600"/>
+          </a:xfrm>
+        </p:spPr>
+        <p:txBody>
+          <a:bodyPr anchor="b"/>
+          <a:lstStyle>
+            <a:lvl1pPr algn="ctr">
+              <a:defRPr sz="6000"/>
+            </a:lvl1pPr>
+          </a:lstStyle>
+          <a:p>
+            <a:r>
+              <a:rPr lang="ru-RU"/>
+              <a:t>Образец заголовка</a:t>
+            </a:r>
+          </a:p>
+        </p:txBody>
+      </p:sp>
+      <p:sp>
+        <p:nvSpPr>
+          <p:cNvPr id="3" name="Подзаголовок 2">
+            <a:extLst>
+              <a:ext uri="{FF2B5EF4-FFF2-40B4-BE49-F238E27FC236}">
+                <a16:creationId xmlns:a16="http://schemas.microsoft.com/office/drawing/2014/main" id="{32B8871A-936B-4793-881B-79997FB38538}"/>
+              </a:ext>
+            </a:extLst>
+          </p:cNvPr>
+          <p:cNvSpPr>
+            <a:spLocks noGrp="1"/>
+          </p:cNvSpPr>
+          <p:nvPr>
+            <p:ph type="subTitle" idx="1"/>
+          </p:nvPr>
+        </p:nvSpPr>
+        <p:spPr>
+          <a:xfrm>
+            <a:off x="1524000" y="3602038"/>
+            <a:ext cx="9144000" cy="1655762"/>
+          </a:xfrm>
+        </p:spPr>
+        <p:txBody>
+          <a:bodyPr/>
+          <a:lstStyle>
+            <a:lvl1pPr marL="0" indent="0" algn="ctr">
+              <a:buNone/>
+              <a:defRPr sz="2400"/>
+            </a:lvl1pPr>
+            <a:lvl2pPr marL="457200" indent="0" algn="ctr">
+              <a:buNone/>
+              <a:defRPr sz="2000"/>
+            </a:lvl2pPr>
+            <a:lvl3pPr marL="914400" indent="0" algn="ctr">
+              <a:buNone/>
+              <a:defRPr sz="1800"/>
+            </a:lvl3pPr>
+            <a:lvl4pPr marL="1371600" indent="0" algn="ctr">
+              <a:buNone/>
+              <a:defRPr sz="1600"/>
+            </a:lvl4pPr>
+            <a:lvl5pPr marL="1828800" indent="0" algn="ctr">
+              <a:buNone/>
+              <a:defRPr sz="1600"/>
+            </a:lvl5pPr>
+            <a:lvl6pPr marL="2286000" indent="0" algn="ctr">
+              <a:buNone/>
+              <a:defRPr sz="1600"/>
+            </a:lvl6pPr>
+            <a:lvl7pPr marL="2743200" indent="0" algn="ctr">
+              <a:buNone/>
+              <a:defRPr sz="1600"/>
+            </a:lvl7pPr>
+            <a:lvl8pPr marL="3200400" indent="0" algn="ctr">
+              <a:buNone/>
+              <a:defRPr sz="1600"/>
+            </a:lvl8pPr>
+            <a:lvl9pPr marL="3657600" indent="0" algn="ctr">
+              <a:buNone/>
+              <a:defRPr sz="1600"/>
+            </a:lvl9pPr>
+          </a:lstStyle>
+          <a:p>
+            <a:r>
+              <a:rPr lang="ru-RU"/>
+              <a:t>Образец подзаголовка</a:t>
+            </a:r>
+          </a:p>
+        </p:txBody>
+      </p:sp>
+      <p:sp>
+        <p:nvSpPr>
+          <p:cNvPr id="4" name="Дата 3">
+            <a:extLst>
+              <a:ext uri="{FF2B5EF4-FFF2-40B4-BE49-F238E27FC236}">
+                <a16:creationId xmlns:a16="http://schemas.microsoft.com/office/drawing/2014/main" id="{34AADE17-95C4-4A29-B96A-D305505A6E93}"/>
+              </a:ext>
+            </a:extLst>
+          </p:cNvPr>
+          <p:cNvSpPr>
+            <a:spLocks noGrp="1"/>
+          </p:cNvSpPr>
+          <p:nvPr>
+            <p:ph type="dt" sz="half" idx="10"/>
+          </p:nvPr>
+        </p:nvSpPr>
+        <p:spPr/>
+        <p:txBody>
+          <a:bodyPr/>
+          <a:lstStyle/>
+          <a:p>
+            <a:fld id="{D4383D7C-BCB1-48D6-9C71-3B5E2B5839F3}" type="datetimeFigureOut">
+              <a:rPr lang="ru-RU" smtClean="0"/>
+              <a:t>24.02.2025</a:t>
+            </a:fld>
+            <a:endParaRPr lang="ru-RU"/>
+          </a:p>
+        </p:txBody>
+      </p:sp>
+      <p:sp>
+        <p:nvSpPr>
+          <p:cNvPr id="5" name="Нижний колонтитул 4">
+            <a:extLst>
+              <a:ext uri="{FF2B5EF4-FFF2-40B4-BE49-F238E27FC236}">
+                <a16:creationId xmlns:a16="http://schemas.microsoft.com/office/drawing/2014/main" id="{F694F92D-1D06-4E30-A863-8AE04271BA17}"/>
+              </a:ext>
+            </a:extLst>
+          </p:cNvPr>
+          <p:cNvSpPr>
+            <a:spLocks noGrp="1"/>
+          </p:cNvSpPr>
+          <p:nvPr>
+            <p:ph type="ftr" sz="quarter" idx="11"/>
+          </p:nvPr>
+        </p:nvSpPr>
+        <p:spPr/>
+        <p:txBody>
+          <a:bodyPr/>
+          <a:lstStyle/>
+          <a:p>
+            <a:endParaRPr lang="ru-RU"/>
+          </a:p>
+        </p:txBody>
+      </p:sp>
+      <p:sp>
+        <p:nvSpPr>
+          <p:cNvPr id="6" name="Номер слайда 5">
+            <a:extLst>
+              <a:ext uri="{FF2B5EF4-FFF2-40B4-BE49-F238E27FC236}">
+                <a16:creationId xmlns:a16="http://schemas.microsoft.com/office/drawing/2014/main" id="{5A2B82D8-E6A4-4D1F-88B7-1E1926C8E3AD}"/>
+              </a:ext>
+            </a:extLst>
+          </p:cNvPr>
+          <p:cNvSpPr>
+            <a:spLocks noGrp="1"/>
+          </p:cNvSpPr>
+          <p:nvPr>
+            <p:ph type="sldNum" sz="quarter" idx="12"/>
+          </p:nvPr>
+        </p:nvSpPr>
+        <p:spPr/>
+        <p:txBody>
+          <a:bodyPr/>
+          <a:lstStyle/>
+          <a:p>
+            <a:fld id="{8A94AF88-6DC9-4174-A242-5362BF603375}" type="slidenum">
+              <a:rPr lang="ru-RU" smtClean="0"/>
+              <a:t>‹#›</a:t>
+            </a:fld>
+            <a:endParaRPr lang="ru-RU"/>
+          </a:p>
+        </p:txBody>
+      </p:sp>
+    </p:spTree>
+    <p:extLst>
+      <p:ext uri="{BB962C8B-B14F-4D97-AF65-F5344CB8AC3E}">
+        <p14:creationId xmlns:p14="http://schemas.microsoft.com/office/powerpoint/2010/main" val="2053820786"/>
+      </p:ext>
+    </p:extLst>
+  </p:cSld>
+  <p:clrMapOvr>
+    <a:masterClrMapping/>
+  </p:clrMapOvr>
+</p:sldLayout>
+</file>
+
+<file path=ppt/slideLayouts/slideLayout22.xml><?xml version="1.0" encoding="utf-8"?>
+<p:sldLayout xmlns:a="http://schemas.openxmlformats.org/drawingml/2006/main" xmlns:r="http://schemas.openxmlformats.org/officeDocument/2006/relationships" xmlns:p="http://schemas.openxmlformats.org/presentationml/2006/main" type="obj" preserve="1">
+  <p:cSld name="Заголовок и объект">
+    <p:spTree>
+      <p:nvGrpSpPr>
+        <p:cNvPr id="1" name=""/>
+        <p:cNvGrpSpPr/>
+        <p:nvPr/>
+      </p:nvGrpSpPr>
+      <p:grpSpPr>
+        <a:xfrm>
+          <a:off x="0" y="0"/>
+          <a:ext cx="0" cy="0"/>
+          <a:chOff x="0" y="0"/>
+          <a:chExt cx="0" cy="0"/>
+        </a:xfrm>
+      </p:grpSpPr>
+      <p:sp>
+        <p:nvSpPr>
+          <p:cNvPr id="2" name="Заголовок 1">
+            <a:extLst>
+              <a:ext uri="{FF2B5EF4-FFF2-40B4-BE49-F238E27FC236}">
+                <a16:creationId xmlns:a16="http://schemas.microsoft.com/office/drawing/2014/main" id="{75154DDB-C4C7-4EF3-A113-BC12E3D28239}"/>
+              </a:ext>
+            </a:extLst>
+          </p:cNvPr>
+          <p:cNvSpPr>
+            <a:spLocks noGrp="1"/>
+          </p:cNvSpPr>
+          <p:nvPr>
+            <p:ph type="title"/>
+          </p:nvPr>
+        </p:nvSpPr>
+        <p:spPr/>
+        <p:txBody>
+          <a:bodyPr/>
+          <a:lstStyle/>
+          <a:p>
+            <a:r>
+              <a:rPr lang="ru-RU"/>
+              <a:t>Образец заголовка</a:t>
+            </a:r>
+          </a:p>
+        </p:txBody>
+      </p:sp>
+      <p:sp>
+        <p:nvSpPr>
+          <p:cNvPr id="3" name="Объект 2">
+            <a:extLst>
+              <a:ext uri="{FF2B5EF4-FFF2-40B4-BE49-F238E27FC236}">
+                <a16:creationId xmlns:a16="http://schemas.microsoft.com/office/drawing/2014/main" id="{5CFF9FE4-1818-43C0-8B92-EDCDB96BD2E8}"/>
+              </a:ext>
+            </a:extLst>
+          </p:cNvPr>
+          <p:cNvSpPr>
+            <a:spLocks noGrp="1"/>
+          </p:cNvSpPr>
+          <p:nvPr>
+            <p:ph idx="1"/>
+          </p:nvPr>
+        </p:nvSpPr>
+        <p:spPr/>
+        <p:txBody>
+          <a:bodyPr/>
+          <a:lstStyle/>
+          <a:p>
+            <a:pPr lvl="0"/>
+            <a:r>
+              <a:rPr lang="ru-RU"/>
+              <a:t>Образец текста</a:t>
+            </a:r>
+          </a:p>
+          <a:p>
+            <a:pPr lvl="1"/>
+            <a:r>
+              <a:rPr lang="ru-RU"/>
+              <a:t>Второй уровень</a:t>
+            </a:r>
+          </a:p>
+          <a:p>
+            <a:pPr lvl="2"/>
+            <a:r>
+              <a:rPr lang="ru-RU"/>
+              <a:t>Третий уровень</a:t>
+            </a:r>
+          </a:p>
+          <a:p>
+            <a:pPr lvl="3"/>
+            <a:r>
+              <a:rPr lang="ru-RU"/>
+              <a:t>Четвертый уровень</a:t>
+            </a:r>
+          </a:p>
+          <a:p>
+            <a:pPr lvl="4"/>
+            <a:r>
+              <a:rPr lang="ru-RU"/>
+              <a:t>Пятый уровень</a:t>
+            </a:r>
+          </a:p>
+        </p:txBody>
+      </p:sp>
+      <p:sp>
+        <p:nvSpPr>
+          <p:cNvPr id="4" name="Дата 3">
+            <a:extLst>
+              <a:ext uri="{FF2B5EF4-FFF2-40B4-BE49-F238E27FC236}">
+                <a16:creationId xmlns:a16="http://schemas.microsoft.com/office/drawing/2014/main" id="{52F88B54-BF2E-42E7-AE0F-5BAAE37E3DE9}"/>
+              </a:ext>
+            </a:extLst>
+          </p:cNvPr>
+          <p:cNvSpPr>
+            <a:spLocks noGrp="1"/>
+          </p:cNvSpPr>
+          <p:nvPr>
+            <p:ph type="dt" sz="half" idx="10"/>
+          </p:nvPr>
+        </p:nvSpPr>
+        <p:spPr/>
+        <p:txBody>
+          <a:bodyPr/>
+          <a:lstStyle/>
+          <a:p>
+            <a:fld id="{D4383D7C-BCB1-48D6-9C71-3B5E2B5839F3}" type="datetimeFigureOut">
+              <a:rPr lang="ru-RU" smtClean="0"/>
+              <a:t>24.02.2025</a:t>
+            </a:fld>
+            <a:endParaRPr lang="ru-RU"/>
+          </a:p>
+        </p:txBody>
+      </p:sp>
+      <p:sp>
+        <p:nvSpPr>
+          <p:cNvPr id="5" name="Нижний колонтитул 4">
+            <a:extLst>
+              <a:ext uri="{FF2B5EF4-FFF2-40B4-BE49-F238E27FC236}">
+                <a16:creationId xmlns:a16="http://schemas.microsoft.com/office/drawing/2014/main" id="{4CFE79AC-33E2-45E2-A8C0-E81C76262A3B}"/>
+              </a:ext>
+            </a:extLst>
+          </p:cNvPr>
+          <p:cNvSpPr>
+            <a:spLocks noGrp="1"/>
+          </p:cNvSpPr>
+          <p:nvPr>
+            <p:ph type="ftr" sz="quarter" idx="11"/>
+          </p:nvPr>
+        </p:nvSpPr>
+        <p:spPr/>
+        <p:txBody>
+          <a:bodyPr/>
+          <a:lstStyle/>
+          <a:p>
+            <a:endParaRPr lang="ru-RU"/>
+          </a:p>
+        </p:txBody>
+      </p:sp>
+      <p:sp>
+        <p:nvSpPr>
+          <p:cNvPr id="6" name="Номер слайда 5">
+            <a:extLst>
+              <a:ext uri="{FF2B5EF4-FFF2-40B4-BE49-F238E27FC236}">
+                <a16:creationId xmlns:a16="http://schemas.microsoft.com/office/drawing/2014/main" id="{86916FC2-0169-4ADC-8C88-58A63F8ADC70}"/>
+              </a:ext>
+            </a:extLst>
+          </p:cNvPr>
+          <p:cNvSpPr>
+            <a:spLocks noGrp="1"/>
+          </p:cNvSpPr>
+          <p:nvPr>
+            <p:ph type="sldNum" sz="quarter" idx="12"/>
+          </p:nvPr>
+        </p:nvSpPr>
+        <p:spPr/>
+        <p:txBody>
+          <a:bodyPr/>
+          <a:lstStyle/>
+          <a:p>
+            <a:fld id="{8A94AF88-6DC9-4174-A242-5362BF603375}" type="slidenum">
+              <a:rPr lang="ru-RU" smtClean="0"/>
+              <a:t>‹#›</a:t>
+            </a:fld>
+            <a:endParaRPr lang="ru-RU"/>
+          </a:p>
+        </p:txBody>
+      </p:sp>
+    </p:spTree>
+    <p:extLst>
+      <p:ext uri="{BB962C8B-B14F-4D97-AF65-F5344CB8AC3E}">
+        <p14:creationId xmlns:p14="http://schemas.microsoft.com/office/powerpoint/2010/main" val="3777717546"/>
+      </p:ext>
+    </p:extLst>
+  </p:cSld>
+  <p:clrMapOvr>
+    <a:masterClrMapping/>
+  </p:clrMapOvr>
+</p:sldLayout>
+</file>
+
+<file path=ppt/slideLayouts/slideLayout23.xml><?xml version="1.0" encoding="utf-8"?>
+<p:sldLayout xmlns:a="http://schemas.openxmlformats.org/drawingml/2006/main" xmlns:r="http://schemas.openxmlformats.org/officeDocument/2006/relationships" xmlns:p="http://schemas.openxmlformats.org/presentationml/2006/main" type="secHead" preserve="1">
+  <p:cSld name="Заголовок раздела">
+    <p:spTree>
+      <p:nvGrpSpPr>
+        <p:cNvPr id="1" name=""/>
+        <p:cNvGrpSpPr/>
+        <p:nvPr/>
+      </p:nvGrpSpPr>
+      <p:grpSpPr>
+        <a:xfrm>
+          <a:off x="0" y="0"/>
+          <a:ext cx="0" cy="0"/>
+          <a:chOff x="0" y="0"/>
+          <a:chExt cx="0" cy="0"/>
+        </a:xfrm>
+      </p:grpSpPr>
+      <p:sp>
+        <p:nvSpPr>
+          <p:cNvPr id="2" name="Заголовок 1">
+            <a:extLst>
+              <a:ext uri="{FF2B5EF4-FFF2-40B4-BE49-F238E27FC236}">
+                <a16:creationId xmlns:a16="http://schemas.microsoft.com/office/drawing/2014/main" id="{1F448007-78F9-4949-985A-ACBD910A2B93}"/>
+              </a:ext>
+            </a:extLst>
+          </p:cNvPr>
+          <p:cNvSpPr>
+            <a:spLocks noGrp="1"/>
+          </p:cNvSpPr>
+          <p:nvPr>
+            <p:ph type="title"/>
+          </p:nvPr>
+        </p:nvSpPr>
+        <p:spPr>
+          <a:xfrm>
+            <a:off x="831850" y="1709738"/>
+            <a:ext cx="10515600" cy="2852737"/>
+          </a:xfrm>
+        </p:spPr>
+        <p:txBody>
+          <a:bodyPr anchor="b"/>
+          <a:lstStyle>
+            <a:lvl1pPr>
+              <a:defRPr sz="6000"/>
+            </a:lvl1pPr>
+          </a:lstStyle>
+          <a:p>
+            <a:r>
+              <a:rPr lang="ru-RU"/>
+              <a:t>Образец заголовка</a:t>
+            </a:r>
+          </a:p>
+        </p:txBody>
+      </p:sp>
+      <p:sp>
+        <p:nvSpPr>
+          <p:cNvPr id="3" name="Текст 2">
+            <a:extLst>
+              <a:ext uri="{FF2B5EF4-FFF2-40B4-BE49-F238E27FC236}">
+                <a16:creationId xmlns:a16="http://schemas.microsoft.com/office/drawing/2014/main" id="{8458882C-DBDF-472F-8582-76478C340A26}"/>
+              </a:ext>
+            </a:extLst>
+          </p:cNvPr>
+          <p:cNvSpPr>
+            <a:spLocks noGrp="1"/>
+          </p:cNvSpPr>
+          <p:nvPr>
+            <p:ph type="body" idx="1"/>
+          </p:nvPr>
+        </p:nvSpPr>
+        <p:spPr>
+          <a:xfrm>
+            <a:off x="831850" y="4589463"/>
+            <a:ext cx="10515600" cy="1500187"/>
+          </a:xfrm>
+        </p:spPr>
+        <p:txBody>
+          <a:bodyPr/>
+          <a:lstStyle>
+            <a:lvl1pPr marL="0" indent="0">
+              <a:buNone/>
+              <a:defRPr sz="2400">
+                <a:solidFill>
+                  <a:schemeClr val="tx1">
+                    <a:tint val="75000"/>
+                  </a:schemeClr>
+                </a:solidFill>
+              </a:defRPr>
+            </a:lvl1pPr>
+            <a:lvl2pPr marL="457200" indent="0">
+              <a:buNone/>
+              <a:defRPr sz="2000">
+                <a:solidFill>
+                  <a:schemeClr val="tx1">
+                    <a:tint val="75000"/>
+                  </a:schemeClr>
+                </a:solidFill>
+              </a:defRPr>
+            </a:lvl2pPr>
+            <a:lvl3pPr marL="914400" indent="0">
+              <a:buNone/>
+              <a:defRPr sz="1800">
+                <a:solidFill>
+                  <a:schemeClr val="tx1">
+                    <a:tint val="75000"/>
+                  </a:schemeClr>
+                </a:solidFill>
+              </a:defRPr>
+            </a:lvl3pPr>
+            <a:lvl4pPr marL="1371600" indent="0">
+              <a:buNone/>
+              <a:defRPr sz="1600">
+                <a:solidFill>
+                  <a:schemeClr val="tx1">
+                    <a:tint val="75000"/>
+                  </a:schemeClr>
+                </a:solidFill>
+              </a:defRPr>
+            </a:lvl4pPr>
+            <a:lvl5pPr marL="1828800" indent="0">
+              <a:buNone/>
+              <a:defRPr sz="1600">
+                <a:solidFill>
+                  <a:schemeClr val="tx1">
+                    <a:tint val="75000"/>
+                  </a:schemeClr>
+                </a:solidFill>
+              </a:defRPr>
+            </a:lvl5pPr>
+            <a:lvl6pPr marL="2286000" indent="0">
+              <a:buNone/>
+              <a:defRPr sz="1600">
+                <a:solidFill>
+                  <a:schemeClr val="tx1">
+                    <a:tint val="75000"/>
+                  </a:schemeClr>
+                </a:solidFill>
+              </a:defRPr>
+            </a:lvl6pPr>
+            <a:lvl7pPr marL="2743200" indent="0">
+              <a:buNone/>
+              <a:defRPr sz="1600">
+                <a:solidFill>
+                  <a:schemeClr val="tx1">
+                    <a:tint val="75000"/>
+                  </a:schemeClr>
+                </a:solidFill>
+              </a:defRPr>
+            </a:lvl7pPr>
+            <a:lvl8pPr marL="3200400" indent="0">
+              <a:buNone/>
+              <a:defRPr sz="1600">
+                <a:solidFill>
+                  <a:schemeClr val="tx1">
+                    <a:tint val="75000"/>
+                  </a:schemeClr>
+                </a:solidFill>
+              </a:defRPr>
+            </a:lvl8pPr>
+            <a:lvl9pPr marL="3657600" indent="0">
+              <a:buNone/>
+              <a:defRPr sz="1600">
+                <a:solidFill>
+                  <a:schemeClr val="tx1">
+                    <a:tint val="75000"/>
+                  </a:schemeClr>
+                </a:solidFill>
+              </a:defRPr>
+            </a:lvl9pPr>
+          </a:lstStyle>
+          <a:p>
+            <a:pPr lvl="0"/>
+            <a:r>
+              <a:rPr lang="ru-RU"/>
+              <a:t>Образец текста</a:t>
+            </a:r>
+          </a:p>
+        </p:txBody>
+      </p:sp>
+      <p:sp>
+        <p:nvSpPr>
+          <p:cNvPr id="4" name="Дата 3">
+            <a:extLst>
+              <a:ext uri="{FF2B5EF4-FFF2-40B4-BE49-F238E27FC236}">
+                <a16:creationId xmlns:a16="http://schemas.microsoft.com/office/drawing/2014/main" id="{79485D12-4BC8-44A6-8290-7A5EDFB9520B}"/>
+              </a:ext>
+            </a:extLst>
+          </p:cNvPr>
+          <p:cNvSpPr>
+            <a:spLocks noGrp="1"/>
+          </p:cNvSpPr>
+          <p:nvPr>
+            <p:ph type="dt" sz="half" idx="10"/>
+          </p:nvPr>
+        </p:nvSpPr>
+        <p:spPr/>
+        <p:txBody>
+          <a:bodyPr/>
+          <a:lstStyle/>
+          <a:p>
+            <a:fld id="{D4383D7C-BCB1-48D6-9C71-3B5E2B5839F3}" type="datetimeFigureOut">
+              <a:rPr lang="ru-RU" smtClean="0"/>
+              <a:t>24.02.2025</a:t>
+            </a:fld>
+            <a:endParaRPr lang="ru-RU"/>
+          </a:p>
+        </p:txBody>
+      </p:sp>
+      <p:sp>
+        <p:nvSpPr>
+          <p:cNvPr id="5" name="Нижний колонтитул 4">
+            <a:extLst>
+              <a:ext uri="{FF2B5EF4-FFF2-40B4-BE49-F238E27FC236}">
+                <a16:creationId xmlns:a16="http://schemas.microsoft.com/office/drawing/2014/main" id="{B7598BA4-26B2-4CC9-AF86-0AE958836CC7}"/>
+              </a:ext>
+            </a:extLst>
+          </p:cNvPr>
+          <p:cNvSpPr>
+            <a:spLocks noGrp="1"/>
+          </p:cNvSpPr>
+          <p:nvPr>
+            <p:ph type="ftr" sz="quarter" idx="11"/>
+          </p:nvPr>
+        </p:nvSpPr>
+        <p:spPr/>
+        <p:txBody>
+          <a:bodyPr/>
+          <a:lstStyle/>
+          <a:p>
+            <a:endParaRPr lang="ru-RU"/>
+          </a:p>
+        </p:txBody>
+      </p:sp>
+      <p:sp>
+        <p:nvSpPr>
+          <p:cNvPr id="6" name="Номер слайда 5">
+            <a:extLst>
+              <a:ext uri="{FF2B5EF4-FFF2-40B4-BE49-F238E27FC236}">
+                <a16:creationId xmlns:a16="http://schemas.microsoft.com/office/drawing/2014/main" id="{4264472D-8866-465A-A61F-25C16117DCB2}"/>
+              </a:ext>
+            </a:extLst>
+          </p:cNvPr>
+          <p:cNvSpPr>
+            <a:spLocks noGrp="1"/>
+          </p:cNvSpPr>
+          <p:nvPr>
+            <p:ph type="sldNum" sz="quarter" idx="12"/>
+          </p:nvPr>
+        </p:nvSpPr>
+        <p:spPr/>
+        <p:txBody>
+          <a:bodyPr/>
+          <a:lstStyle/>
+          <a:p>
+            <a:fld id="{8A94AF88-6DC9-4174-A242-5362BF603375}" type="slidenum">
+              <a:rPr lang="ru-RU" smtClean="0"/>
+              <a:t>‹#›</a:t>
+            </a:fld>
+            <a:endParaRPr lang="ru-RU"/>
+          </a:p>
+        </p:txBody>
+      </p:sp>
+    </p:spTree>
+    <p:extLst>
+      <p:ext uri="{BB962C8B-B14F-4D97-AF65-F5344CB8AC3E}">
+        <p14:creationId xmlns:p14="http://schemas.microsoft.com/office/powerpoint/2010/main" val="4264611390"/>
+      </p:ext>
+    </p:extLst>
+  </p:cSld>
+  <p:clrMapOvr>
+    <a:masterClrMapping/>
+  </p:clrMapOvr>
+</p:sldLayout>
+</file>
+
+<file path=ppt/slideLayouts/slideLayout24.xml><?xml version="1.0" encoding="utf-8"?>
+<p:sldLayout xmlns:a="http://schemas.openxmlformats.org/drawingml/2006/main" xmlns:r="http://schemas.openxmlformats.org/officeDocument/2006/relationships" xmlns:p="http://schemas.openxmlformats.org/presentationml/2006/main" type="twoObj" preserve="1">
+  <p:cSld name="Два объекта">
+    <p:spTree>
+      <p:nvGrpSpPr>
+        <p:cNvPr id="1" name=""/>
+        <p:cNvGrpSpPr/>
+        <p:nvPr/>
+      </p:nvGrpSpPr>
+      <p:grpSpPr>
+        <a:xfrm>
+          <a:off x="0" y="0"/>
+          <a:ext cx="0" cy="0"/>
+          <a:chOff x="0" y="0"/>
+          <a:chExt cx="0" cy="0"/>
+        </a:xfrm>
+      </p:grpSpPr>
+      <p:sp>
+        <p:nvSpPr>
+          <p:cNvPr id="2" name="Заголовок 1">
+            <a:extLst>
+              <a:ext uri="{FF2B5EF4-FFF2-40B4-BE49-F238E27FC236}">
+                <a16:creationId xmlns:a16="http://schemas.microsoft.com/office/drawing/2014/main" id="{09551342-AE06-48DB-90F5-D3BE11E91154}"/>
+              </a:ext>
+            </a:extLst>
+          </p:cNvPr>
+          <p:cNvSpPr>
+            <a:spLocks noGrp="1"/>
+          </p:cNvSpPr>
+          <p:nvPr>
+            <p:ph type="title"/>
+          </p:nvPr>
+        </p:nvSpPr>
+        <p:spPr/>
+        <p:txBody>
+          <a:bodyPr/>
+          <a:lstStyle/>
+          <a:p>
+            <a:r>
+              <a:rPr lang="ru-RU"/>
+              <a:t>Образец заголовка</a:t>
+            </a:r>
+          </a:p>
+        </p:txBody>
+      </p:sp>
+      <p:sp>
+        <p:nvSpPr>
+          <p:cNvPr id="3" name="Объект 2">
+            <a:extLst>
+              <a:ext uri="{FF2B5EF4-FFF2-40B4-BE49-F238E27FC236}">
+                <a16:creationId xmlns:a16="http://schemas.microsoft.com/office/drawing/2014/main" id="{63C502B4-95D0-422E-982D-447E13D720C4}"/>
+              </a:ext>
+            </a:extLst>
+          </p:cNvPr>
+          <p:cNvSpPr>
+            <a:spLocks noGrp="1"/>
+          </p:cNvSpPr>
+          <p:nvPr>
+            <p:ph sz="half" idx="1"/>
+          </p:nvPr>
+        </p:nvSpPr>
+        <p:spPr>
+          <a:xfrm>
+            <a:off x="838200" y="1825625"/>
+            <a:ext cx="5181600" cy="4351338"/>
+          </a:xfrm>
+        </p:spPr>
+        <p:txBody>
+          <a:bodyPr/>
+          <a:lstStyle/>
+          <a:p>
+            <a:pPr lvl="0"/>
+            <a:r>
+              <a:rPr lang="ru-RU"/>
+              <a:t>Образец текста</a:t>
+            </a:r>
+          </a:p>
+          <a:p>
+            <a:pPr lvl="1"/>
+            <a:r>
+              <a:rPr lang="ru-RU"/>
+              <a:t>Второй уровень</a:t>
+            </a:r>
+          </a:p>
+          <a:p>
+            <a:pPr lvl="2"/>
+            <a:r>
+              <a:rPr lang="ru-RU"/>
+              <a:t>Третий уровень</a:t>
+            </a:r>
+          </a:p>
+          <a:p>
+            <a:pPr lvl="3"/>
+            <a:r>
+              <a:rPr lang="ru-RU"/>
+              <a:t>Четвертый уровень</a:t>
+            </a:r>
+          </a:p>
+          <a:p>
+            <a:pPr lvl="4"/>
+            <a:r>
+              <a:rPr lang="ru-RU"/>
+              <a:t>Пятый уровень</a:t>
+            </a:r>
+          </a:p>
+        </p:txBody>
+      </p:sp>
+      <p:sp>
+        <p:nvSpPr>
+          <p:cNvPr id="4" name="Объект 3">
+            <a:extLst>
+              <a:ext uri="{FF2B5EF4-FFF2-40B4-BE49-F238E27FC236}">
+                <a16:creationId xmlns:a16="http://schemas.microsoft.com/office/drawing/2014/main" id="{9CFE2486-EB6D-43D1-9B27-694126B22B84}"/>
+              </a:ext>
+            </a:extLst>
+          </p:cNvPr>
+          <p:cNvSpPr>
+            <a:spLocks noGrp="1"/>
+          </p:cNvSpPr>
+          <p:nvPr>
+            <p:ph sz="half" idx="2"/>
+          </p:nvPr>
+        </p:nvSpPr>
+        <p:spPr>
+          <a:xfrm>
+            <a:off x="6172200" y="1825625"/>
+            <a:ext cx="5181600" cy="4351338"/>
+          </a:xfrm>
+        </p:spPr>
+        <p:txBody>
+          <a:bodyPr/>
+          <a:lstStyle/>
+          <a:p>
+            <a:pPr lvl="0"/>
+            <a:r>
+              <a:rPr lang="ru-RU"/>
+              <a:t>Образец текста</a:t>
+            </a:r>
+          </a:p>
+          <a:p>
+            <a:pPr lvl="1"/>
+            <a:r>
+              <a:rPr lang="ru-RU"/>
+              <a:t>Второй уровень</a:t>
+            </a:r>
+          </a:p>
+          <a:p>
+            <a:pPr lvl="2"/>
+            <a:r>
+              <a:rPr lang="ru-RU"/>
+              <a:t>Третий уровень</a:t>
+            </a:r>
+          </a:p>
+          <a:p>
+            <a:pPr lvl="3"/>
+            <a:r>
+              <a:rPr lang="ru-RU"/>
+              <a:t>Четвертый уровень</a:t>
+            </a:r>
+          </a:p>
+          <a:p>
+            <a:pPr lvl="4"/>
+            <a:r>
+              <a:rPr lang="ru-RU"/>
+              <a:t>Пятый уровень</a:t>
+            </a:r>
+          </a:p>
+        </p:txBody>
+      </p:sp>
+      <p:sp>
+        <p:nvSpPr>
+          <p:cNvPr id="5" name="Дата 4">
+            <a:extLst>
+              <a:ext uri="{FF2B5EF4-FFF2-40B4-BE49-F238E27FC236}">
+                <a16:creationId xmlns:a16="http://schemas.microsoft.com/office/drawing/2014/main" id="{505E4595-5DAF-44E7-BE5E-01EF19DC9FDF}"/>
+              </a:ext>
+            </a:extLst>
+          </p:cNvPr>
+          <p:cNvSpPr>
+            <a:spLocks noGrp="1"/>
+          </p:cNvSpPr>
+          <p:nvPr>
+            <p:ph type="dt" sz="half" idx="10"/>
+          </p:nvPr>
+        </p:nvSpPr>
+        <p:spPr/>
+        <p:txBody>
+          <a:bodyPr/>
+          <a:lstStyle/>
+          <a:p>
+            <a:fld id="{D4383D7C-BCB1-48D6-9C71-3B5E2B5839F3}" type="datetimeFigureOut">
+              <a:rPr lang="ru-RU" smtClean="0"/>
+              <a:t>24.02.2025</a:t>
+            </a:fld>
+            <a:endParaRPr lang="ru-RU"/>
+          </a:p>
+        </p:txBody>
+      </p:sp>
+      <p:sp>
+        <p:nvSpPr>
+          <p:cNvPr id="6" name="Нижний колонтитул 5">
+            <a:extLst>
+              <a:ext uri="{FF2B5EF4-FFF2-40B4-BE49-F238E27FC236}">
+                <a16:creationId xmlns:a16="http://schemas.microsoft.com/office/drawing/2014/main" id="{932B0709-894F-456D-88D7-FCC7F2BC2557}"/>
+              </a:ext>
+            </a:extLst>
+          </p:cNvPr>
+          <p:cNvSpPr>
+            <a:spLocks noGrp="1"/>
+          </p:cNvSpPr>
+          <p:nvPr>
+            <p:ph type="ftr" sz="quarter" idx="11"/>
+          </p:nvPr>
+        </p:nvSpPr>
+        <p:spPr/>
+        <p:txBody>
+          <a:bodyPr/>
+          <a:lstStyle/>
+          <a:p>
+            <a:endParaRPr lang="ru-RU"/>
+          </a:p>
+        </p:txBody>
+      </p:sp>
+      <p:sp>
+        <p:nvSpPr>
+          <p:cNvPr id="7" name="Номер слайда 6">
+            <a:extLst>
+              <a:ext uri="{FF2B5EF4-FFF2-40B4-BE49-F238E27FC236}">
+                <a16:creationId xmlns:a16="http://schemas.microsoft.com/office/drawing/2014/main" id="{308BF20C-DC69-40CF-945A-71C015D8E22D}"/>
+              </a:ext>
+            </a:extLst>
+          </p:cNvPr>
+          <p:cNvSpPr>
+            <a:spLocks noGrp="1"/>
+          </p:cNvSpPr>
+          <p:nvPr>
+            <p:ph type="sldNum" sz="quarter" idx="12"/>
+          </p:nvPr>
+        </p:nvSpPr>
+        <p:spPr/>
+        <p:txBody>
+          <a:bodyPr/>
+          <a:lstStyle/>
+          <a:p>
+            <a:fld id="{8A94AF88-6DC9-4174-A242-5362BF603375}" type="slidenum">
+              <a:rPr lang="ru-RU" smtClean="0"/>
+              <a:t>‹#›</a:t>
+            </a:fld>
+            <a:endParaRPr lang="ru-RU"/>
+          </a:p>
+        </p:txBody>
+      </p:sp>
+    </p:spTree>
+    <p:extLst>
+      <p:ext uri="{BB962C8B-B14F-4D97-AF65-F5344CB8AC3E}">
+        <p14:creationId xmlns:p14="http://schemas.microsoft.com/office/powerpoint/2010/main" val="3574235481"/>
+      </p:ext>
+    </p:extLst>
+  </p:cSld>
+  <p:clrMapOvr>
+    <a:masterClrMapping/>
+  </p:clrMapOvr>
+</p:sldLayout>
+</file>
+
+<file path=ppt/slideLayouts/slideLayout25.xml><?xml version="1.0" encoding="utf-8"?>
+<p:sldLayout xmlns:a="http://schemas.openxmlformats.org/drawingml/2006/main" xmlns:r="http://schemas.openxmlformats.org/officeDocument/2006/relationships" xmlns:p="http://schemas.openxmlformats.org/presentationml/2006/main" type="twoTxTwoObj" preserve="1">
+  <p:cSld name="Сравнение">
+    <p:spTree>
+      <p:nvGrpSpPr>
+        <p:cNvPr id="1" name=""/>
+        <p:cNvGrpSpPr/>
+        <p:nvPr/>
+      </p:nvGrpSpPr>
+      <p:grpSpPr>
+        <a:xfrm>
+          <a:off x="0" y="0"/>
+          <a:ext cx="0" cy="0"/>
+          <a:chOff x="0" y="0"/>
+          <a:chExt cx="0" cy="0"/>
+        </a:xfrm>
+      </p:grpSpPr>
+      <p:sp>
+        <p:nvSpPr>
+          <p:cNvPr id="2" name="Заголовок 1">
+            <a:extLst>
+              <a:ext uri="{FF2B5EF4-FFF2-40B4-BE49-F238E27FC236}">
+                <a16:creationId xmlns:a16="http://schemas.microsoft.com/office/drawing/2014/main" id="{2425C661-6925-460C-8DE3-B6B7FCF34E13}"/>
+              </a:ext>
+            </a:extLst>
+          </p:cNvPr>
+          <p:cNvSpPr>
+            <a:spLocks noGrp="1"/>
+          </p:cNvSpPr>
+          <p:nvPr>
+            <p:ph type="title"/>
+          </p:nvPr>
+        </p:nvSpPr>
+        <p:spPr>
+          <a:xfrm>
+            <a:off x="839788" y="365125"/>
+            <a:ext cx="10515600" cy="1325563"/>
+          </a:xfrm>
+        </p:spPr>
+        <p:txBody>
+          <a:bodyPr/>
+          <a:lstStyle/>
+          <a:p>
+            <a:r>
+              <a:rPr lang="ru-RU"/>
+              <a:t>Образец заголовка</a:t>
+            </a:r>
+          </a:p>
+        </p:txBody>
+      </p:sp>
+      <p:sp>
+        <p:nvSpPr>
+          <p:cNvPr id="3" name="Текст 2">
+            <a:extLst>
+              <a:ext uri="{FF2B5EF4-FFF2-40B4-BE49-F238E27FC236}">
+                <a16:creationId xmlns:a16="http://schemas.microsoft.com/office/drawing/2014/main" id="{86D10DFE-DAA5-4D50-8157-AB2BB103B9D5}"/>
+              </a:ext>
+            </a:extLst>
+          </p:cNvPr>
+          <p:cNvSpPr>
+            <a:spLocks noGrp="1"/>
+          </p:cNvSpPr>
+          <p:nvPr>
+            <p:ph type="body" idx="1"/>
+          </p:nvPr>
+        </p:nvSpPr>
+        <p:spPr>
+          <a:xfrm>
+            <a:off x="839788" y="1681163"/>
+            <a:ext cx="5157787" cy="823912"/>
+          </a:xfrm>
+        </p:spPr>
+        <p:txBody>
+          <a:bodyPr anchor="b"/>
+          <a:lstStyle>
+            <a:lvl1pPr marL="0" indent="0">
+              <a:buNone/>
+              <a:defRPr sz="2400" b="1"/>
+            </a:lvl1pPr>
+            <a:lvl2pPr marL="457200" indent="0">
+              <a:buNone/>
+              <a:defRPr sz="2000" b="1"/>
+            </a:lvl2pPr>
+            <a:lvl3pPr marL="914400" indent="0">
+              <a:buNone/>
+              <a:defRPr sz="1800" b="1"/>
+            </a:lvl3pPr>
+            <a:lvl4pPr marL="1371600" indent="0">
+              <a:buNone/>
+              <a:defRPr sz="1600" b="1"/>
+            </a:lvl4pPr>
+            <a:lvl5pPr marL="1828800" indent="0">
+              <a:buNone/>
+              <a:defRPr sz="1600" b="1"/>
+            </a:lvl5pPr>
+            <a:lvl6pPr marL="2286000" indent="0">
+              <a:buNone/>
+              <a:defRPr sz="1600" b="1"/>
+            </a:lvl6pPr>
+            <a:lvl7pPr marL="2743200" indent="0">
+              <a:buNone/>
+              <a:defRPr sz="1600" b="1"/>
+            </a:lvl7pPr>
+            <a:lvl8pPr marL="3200400" indent="0">
+              <a:buNone/>
+              <a:defRPr sz="1600" b="1"/>
+            </a:lvl8pPr>
+            <a:lvl9pPr marL="3657600" indent="0">
+              <a:buNone/>
+              <a:defRPr sz="1600" b="1"/>
+            </a:lvl9pPr>
+          </a:lstStyle>
+          <a:p>
+            <a:pPr lvl="0"/>
+            <a:r>
+              <a:rPr lang="ru-RU"/>
+              <a:t>Образец текста</a:t>
+            </a:r>
+          </a:p>
+        </p:txBody>
+      </p:sp>
+      <p:sp>
+        <p:nvSpPr>
+          <p:cNvPr id="4" name="Объект 3">
+            <a:extLst>
+              <a:ext uri="{FF2B5EF4-FFF2-40B4-BE49-F238E27FC236}">
+                <a16:creationId xmlns:a16="http://schemas.microsoft.com/office/drawing/2014/main" id="{A1ABF1E6-7CD3-4C65-BAB0-AFCFB7DF8511}"/>
+              </a:ext>
+            </a:extLst>
+          </p:cNvPr>
+          <p:cNvSpPr>
+            <a:spLocks noGrp="1"/>
+          </p:cNvSpPr>
+          <p:nvPr>
+            <p:ph sz="half" idx="2"/>
+          </p:nvPr>
+        </p:nvSpPr>
+        <p:spPr>
+          <a:xfrm>
+            <a:off x="839788" y="2505075"/>
+            <a:ext cx="5157787" cy="3684588"/>
+          </a:xfrm>
+        </p:spPr>
+        <p:txBody>
+          <a:bodyPr/>
+          <a:lstStyle/>
+          <a:p>
+            <a:pPr lvl="0"/>
+            <a:r>
+              <a:rPr lang="ru-RU"/>
+              <a:t>Образец текста</a:t>
+            </a:r>
+          </a:p>
+          <a:p>
+            <a:pPr lvl="1"/>
+            <a:r>
+              <a:rPr lang="ru-RU"/>
+              <a:t>Второй уровень</a:t>
+            </a:r>
+          </a:p>
+          <a:p>
+            <a:pPr lvl="2"/>
+            <a:r>
+              <a:rPr lang="ru-RU"/>
+              <a:t>Третий уровень</a:t>
+            </a:r>
+          </a:p>
+          <a:p>
+            <a:pPr lvl="3"/>
+            <a:r>
+              <a:rPr lang="ru-RU"/>
+              <a:t>Четвертый уровень</a:t>
+            </a:r>
+          </a:p>
+          <a:p>
+            <a:pPr lvl="4"/>
+            <a:r>
+              <a:rPr lang="ru-RU"/>
+              <a:t>Пятый уровень</a:t>
+            </a:r>
+          </a:p>
+        </p:txBody>
+      </p:sp>
+      <p:sp>
+        <p:nvSpPr>
+          <p:cNvPr id="5" name="Текст 4">
+            <a:extLst>
+              <a:ext uri="{FF2B5EF4-FFF2-40B4-BE49-F238E27FC236}">
+                <a16:creationId xmlns:a16="http://schemas.microsoft.com/office/drawing/2014/main" id="{AA6F5546-ECD9-4BA3-A519-5704A6F6369E}"/>
+              </a:ext>
+            </a:extLst>
+          </p:cNvPr>
+          <p:cNvSpPr>
+            <a:spLocks noGrp="1"/>
+          </p:cNvSpPr>
+          <p:nvPr>
+            <p:ph type="body" sz="quarter" idx="3"/>
+          </p:nvPr>
+        </p:nvSpPr>
+        <p:spPr>
+          <a:xfrm>
+            <a:off x="6172200" y="1681163"/>
+            <a:ext cx="5183188" cy="823912"/>
+          </a:xfrm>
+        </p:spPr>
+        <p:txBody>
+          <a:bodyPr anchor="b"/>
+          <a:lstStyle>
+            <a:lvl1pPr marL="0" indent="0">
+              <a:buNone/>
+              <a:defRPr sz="2400" b="1"/>
+            </a:lvl1pPr>
+            <a:lvl2pPr marL="457200" indent="0">
+              <a:buNone/>
+              <a:defRPr sz="2000" b="1"/>
+            </a:lvl2pPr>
+            <a:lvl3pPr marL="914400" indent="0">
+              <a:buNone/>
+              <a:defRPr sz="1800" b="1"/>
+            </a:lvl3pPr>
+            <a:lvl4pPr marL="1371600" indent="0">
+              <a:buNone/>
+              <a:defRPr sz="1600" b="1"/>
+            </a:lvl4pPr>
+            <a:lvl5pPr marL="1828800" indent="0">
+              <a:buNone/>
+              <a:defRPr sz="1600" b="1"/>
+            </a:lvl5pPr>
+            <a:lvl6pPr marL="2286000" indent="0">
+              <a:buNone/>
+              <a:defRPr sz="1600" b="1"/>
+            </a:lvl6pPr>
+            <a:lvl7pPr marL="2743200" indent="0">
+              <a:buNone/>
+              <a:defRPr sz="1600" b="1"/>
+            </a:lvl7pPr>
+            <a:lvl8pPr marL="3200400" indent="0">
+              <a:buNone/>
+              <a:defRPr sz="1600" b="1"/>
+            </a:lvl8pPr>
+            <a:lvl9pPr marL="3657600" indent="0">
+              <a:buNone/>
+              <a:defRPr sz="1600" b="1"/>
+            </a:lvl9pPr>
+          </a:lstStyle>
+          <a:p>
+            <a:pPr lvl="0"/>
+            <a:r>
+              <a:rPr lang="ru-RU"/>
+              <a:t>Образец текста</a:t>
+            </a:r>
+          </a:p>
+        </p:txBody>
+      </p:sp>
+      <p:sp>
+        <p:nvSpPr>
+          <p:cNvPr id="6" name="Объект 5">
+            <a:extLst>
+              <a:ext uri="{FF2B5EF4-FFF2-40B4-BE49-F238E27FC236}">
+                <a16:creationId xmlns:a16="http://schemas.microsoft.com/office/drawing/2014/main" id="{0D5E4BF5-AE89-44A0-B7E4-072097335950}"/>
+              </a:ext>
+            </a:extLst>
+          </p:cNvPr>
+          <p:cNvSpPr>
+            <a:spLocks noGrp="1"/>
+          </p:cNvSpPr>
+          <p:nvPr>
+            <p:ph sz="quarter" idx="4"/>
+          </p:nvPr>
+        </p:nvSpPr>
+        <p:spPr>
+          <a:xfrm>
+            <a:off x="6172200" y="2505075"/>
+            <a:ext cx="5183188" cy="3684588"/>
+          </a:xfrm>
+        </p:spPr>
+        <p:txBody>
+          <a:bodyPr/>
+          <a:lstStyle/>
+          <a:p>
+            <a:pPr lvl="0"/>
+            <a:r>
+              <a:rPr lang="ru-RU"/>
+              <a:t>Образец текста</a:t>
+            </a:r>
+          </a:p>
+          <a:p>
+            <a:pPr lvl="1"/>
+            <a:r>
+              <a:rPr lang="ru-RU"/>
+              <a:t>Второй уровень</a:t>
+            </a:r>
+          </a:p>
+          <a:p>
+            <a:pPr lvl="2"/>
+            <a:r>
+              <a:rPr lang="ru-RU"/>
+              <a:t>Третий уровень</a:t>
+            </a:r>
+          </a:p>
+          <a:p>
+            <a:pPr lvl="3"/>
+            <a:r>
+              <a:rPr lang="ru-RU"/>
+              <a:t>Четвертый уровень</a:t>
+            </a:r>
+          </a:p>
+          <a:p>
+            <a:pPr lvl="4"/>
+            <a:r>
+              <a:rPr lang="ru-RU"/>
+              <a:t>Пятый уровень</a:t>
+            </a:r>
+          </a:p>
+        </p:txBody>
+      </p:sp>
+      <p:sp>
+        <p:nvSpPr>
+          <p:cNvPr id="7" name="Дата 6">
+            <a:extLst>
+              <a:ext uri="{FF2B5EF4-FFF2-40B4-BE49-F238E27FC236}">
+                <a16:creationId xmlns:a16="http://schemas.microsoft.com/office/drawing/2014/main" id="{8C389139-F37D-4756-BF40-1743AC989E04}"/>
+              </a:ext>
+            </a:extLst>
+          </p:cNvPr>
+          <p:cNvSpPr>
+            <a:spLocks noGrp="1"/>
+          </p:cNvSpPr>
+          <p:nvPr>
+            <p:ph type="dt" sz="half" idx="10"/>
+          </p:nvPr>
+        </p:nvSpPr>
+        <p:spPr/>
+        <p:txBody>
+          <a:bodyPr/>
+          <a:lstStyle/>
+          <a:p>
+            <a:fld id="{D4383D7C-BCB1-48D6-9C71-3B5E2B5839F3}" type="datetimeFigureOut">
+              <a:rPr lang="ru-RU" smtClean="0"/>
+              <a:t>24.02.2025</a:t>
+            </a:fld>
+            <a:endParaRPr lang="ru-RU"/>
+          </a:p>
+        </p:txBody>
+      </p:sp>
+      <p:sp>
+        <p:nvSpPr>
+          <p:cNvPr id="8" name="Нижний колонтитул 7">
+            <a:extLst>
+              <a:ext uri="{FF2B5EF4-FFF2-40B4-BE49-F238E27FC236}">
+                <a16:creationId xmlns:a16="http://schemas.microsoft.com/office/drawing/2014/main" id="{7B26405B-C925-415A-A3B5-A94B0D37997F}"/>
+              </a:ext>
+            </a:extLst>
+          </p:cNvPr>
+          <p:cNvSpPr>
+            <a:spLocks noGrp="1"/>
+          </p:cNvSpPr>
+          <p:nvPr>
+            <p:ph type="ftr" sz="quarter" idx="11"/>
+          </p:nvPr>
+        </p:nvSpPr>
+        <p:spPr/>
+        <p:txBody>
+          <a:bodyPr/>
+          <a:lstStyle/>
+          <a:p>
+            <a:endParaRPr lang="ru-RU"/>
+          </a:p>
+        </p:txBody>
+      </p:sp>
+      <p:sp>
+        <p:nvSpPr>
+          <p:cNvPr id="9" name="Номер слайда 8">
+            <a:extLst>
+              <a:ext uri="{FF2B5EF4-FFF2-40B4-BE49-F238E27FC236}">
+                <a16:creationId xmlns:a16="http://schemas.microsoft.com/office/drawing/2014/main" id="{DFC61F8B-B991-4A72-A030-7A4A5C5F43DB}"/>
+              </a:ext>
+            </a:extLst>
+          </p:cNvPr>
+          <p:cNvSpPr>
+            <a:spLocks noGrp="1"/>
+          </p:cNvSpPr>
+          <p:nvPr>
+            <p:ph type="sldNum" sz="quarter" idx="12"/>
+          </p:nvPr>
+        </p:nvSpPr>
+        <p:spPr/>
+        <p:txBody>
+          <a:bodyPr/>
+          <a:lstStyle/>
+          <a:p>
+            <a:fld id="{8A94AF88-6DC9-4174-A242-5362BF603375}" type="slidenum">
+              <a:rPr lang="ru-RU" smtClean="0"/>
+              <a:t>‹#›</a:t>
+            </a:fld>
+            <a:endParaRPr lang="ru-RU"/>
+          </a:p>
+        </p:txBody>
+      </p:sp>
+    </p:spTree>
+    <p:extLst>
+      <p:ext uri="{BB962C8B-B14F-4D97-AF65-F5344CB8AC3E}">
+        <p14:creationId xmlns:p14="http://schemas.microsoft.com/office/powerpoint/2010/main" val="10633340"/>
+      </p:ext>
+    </p:extLst>
+  </p:cSld>
+  <p:clrMapOvr>
+    <a:masterClrMapping/>
+  </p:clrMapOvr>
+</p:sldLayout>
+</file>
+
+<file path=ppt/slideLayouts/slideLayout26.xml><?xml version="1.0" encoding="utf-8"?>
+<p:sldLayout xmlns:a="http://schemas.openxmlformats.org/drawingml/2006/main" xmlns:r="http://schemas.openxmlformats.org/officeDocument/2006/relationships" xmlns:p="http://schemas.openxmlformats.org/presentationml/2006/main" type="titleOnly" preserve="1">
+  <p:cSld name="Только заголовок">
+    <p:spTree>
+      <p:nvGrpSpPr>
+        <p:cNvPr id="1" name=""/>
+        <p:cNvGrpSpPr/>
+        <p:nvPr/>
+      </p:nvGrpSpPr>
+      <p:grpSpPr>
+        <a:xfrm>
+          <a:off x="0" y="0"/>
+          <a:ext cx="0" cy="0"/>
+          <a:chOff x="0" y="0"/>
+          <a:chExt cx="0" cy="0"/>
+        </a:xfrm>
+      </p:grpSpPr>
+      <p:sp>
+        <p:nvSpPr>
+          <p:cNvPr id="2" name="Заголовок 1">
+            <a:extLst>
+              <a:ext uri="{FF2B5EF4-FFF2-40B4-BE49-F238E27FC236}">
+                <a16:creationId xmlns:a16="http://schemas.microsoft.com/office/drawing/2014/main" id="{633D11B3-5E3B-4F36-B069-8112C222D430}"/>
+              </a:ext>
+            </a:extLst>
+          </p:cNvPr>
+          <p:cNvSpPr>
+            <a:spLocks noGrp="1"/>
+          </p:cNvSpPr>
+          <p:nvPr>
+            <p:ph type="title"/>
+          </p:nvPr>
+        </p:nvSpPr>
+        <p:spPr/>
+        <p:txBody>
+          <a:bodyPr/>
+          <a:lstStyle/>
+          <a:p>
+            <a:r>
+              <a:rPr lang="ru-RU"/>
+              <a:t>Образец заголовка</a:t>
+            </a:r>
+          </a:p>
+        </p:txBody>
+      </p:sp>
+      <p:sp>
+        <p:nvSpPr>
+          <p:cNvPr id="3" name="Дата 2">
+            <a:extLst>
+              <a:ext uri="{FF2B5EF4-FFF2-40B4-BE49-F238E27FC236}">
+                <a16:creationId xmlns:a16="http://schemas.microsoft.com/office/drawing/2014/main" id="{4BC02845-9F5B-49E0-B73C-FCF60EF04A0D}"/>
+              </a:ext>
+            </a:extLst>
+          </p:cNvPr>
+          <p:cNvSpPr>
+            <a:spLocks noGrp="1"/>
+          </p:cNvSpPr>
+          <p:nvPr>
+            <p:ph type="dt" sz="half" idx="10"/>
+          </p:nvPr>
+        </p:nvSpPr>
+        <p:spPr/>
+        <p:txBody>
+          <a:bodyPr/>
+          <a:lstStyle/>
+          <a:p>
+            <a:fld id="{D4383D7C-BCB1-48D6-9C71-3B5E2B5839F3}" type="datetimeFigureOut">
+              <a:rPr lang="ru-RU" smtClean="0"/>
+              <a:t>24.02.2025</a:t>
+            </a:fld>
+            <a:endParaRPr lang="ru-RU"/>
+          </a:p>
+        </p:txBody>
+      </p:sp>
+      <p:sp>
+        <p:nvSpPr>
+          <p:cNvPr id="4" name="Нижний колонтитул 3">
+            <a:extLst>
+              <a:ext uri="{FF2B5EF4-FFF2-40B4-BE49-F238E27FC236}">
+                <a16:creationId xmlns:a16="http://schemas.microsoft.com/office/drawing/2014/main" id="{17EE8DF0-99B3-437B-BA19-329CD70A9403}"/>
+              </a:ext>
+            </a:extLst>
+          </p:cNvPr>
+          <p:cNvSpPr>
+            <a:spLocks noGrp="1"/>
+          </p:cNvSpPr>
+          <p:nvPr>
+            <p:ph type="ftr" sz="quarter" idx="11"/>
+          </p:nvPr>
+        </p:nvSpPr>
+        <p:spPr/>
+        <p:txBody>
+          <a:bodyPr/>
+          <a:lstStyle/>
+          <a:p>
+            <a:endParaRPr lang="ru-RU"/>
+          </a:p>
+        </p:txBody>
+      </p:sp>
+      <p:sp>
+        <p:nvSpPr>
+          <p:cNvPr id="5" name="Номер слайда 4">
+            <a:extLst>
+              <a:ext uri="{FF2B5EF4-FFF2-40B4-BE49-F238E27FC236}">
+                <a16:creationId xmlns:a16="http://schemas.microsoft.com/office/drawing/2014/main" id="{4FFD4648-560A-441B-ACC5-4EB477746160}"/>
+              </a:ext>
+            </a:extLst>
+          </p:cNvPr>
+          <p:cNvSpPr>
+            <a:spLocks noGrp="1"/>
+          </p:cNvSpPr>
+          <p:nvPr>
+            <p:ph type="sldNum" sz="quarter" idx="12"/>
+          </p:nvPr>
+        </p:nvSpPr>
+        <p:spPr/>
+        <p:txBody>
+          <a:bodyPr/>
+          <a:lstStyle/>
+          <a:p>
+            <a:fld id="{8A94AF88-6DC9-4174-A242-5362BF603375}" type="slidenum">
+              <a:rPr lang="ru-RU" smtClean="0"/>
+              <a:t>‹#›</a:t>
+            </a:fld>
+            <a:endParaRPr lang="ru-RU"/>
+          </a:p>
+        </p:txBody>
+      </p:sp>
+    </p:spTree>
+    <p:extLst>
+      <p:ext uri="{BB962C8B-B14F-4D97-AF65-F5344CB8AC3E}">
+        <p14:creationId xmlns:p14="http://schemas.microsoft.com/office/powerpoint/2010/main" val="3136038580"/>
+      </p:ext>
+    </p:extLst>
+  </p:cSld>
+  <p:clrMapOvr>
+    <a:masterClrMapping/>
+  </p:clrMapOvr>
+</p:sldLayout>
+</file>
+
+<file path=ppt/slideLayouts/slideLayout27.xml><?xml version="1.0" encoding="utf-8"?>
+<p:sldLayout xmlns:a="http://schemas.openxmlformats.org/drawingml/2006/main" xmlns:r="http://schemas.openxmlformats.org/officeDocument/2006/relationships" xmlns:p="http://schemas.openxmlformats.org/presentationml/2006/main" type="blank" preserve="1">
+  <p:cSld name="Пустой слайд">
+    <p:spTree>
+      <p:nvGrpSpPr>
+        <p:cNvPr id="1" name=""/>
+        <p:cNvGrpSpPr/>
+        <p:nvPr/>
+      </p:nvGrpSpPr>
+      <p:grpSpPr>
+        <a:xfrm>
+          <a:off x="0" y="0"/>
+          <a:ext cx="0" cy="0"/>
+          <a:chOff x="0" y="0"/>
+          <a:chExt cx="0" cy="0"/>
+        </a:xfrm>
+      </p:grpSpPr>
+      <p:sp>
+        <p:nvSpPr>
+          <p:cNvPr id="2" name="Дата 1">
+            <a:extLst>
+              <a:ext uri="{FF2B5EF4-FFF2-40B4-BE49-F238E27FC236}">
+                <a16:creationId xmlns:a16="http://schemas.microsoft.com/office/drawing/2014/main" id="{CB9B91C5-C6E6-4148-8913-2738B868CA3A}"/>
+              </a:ext>
+            </a:extLst>
+          </p:cNvPr>
+          <p:cNvSpPr>
+            <a:spLocks noGrp="1"/>
+          </p:cNvSpPr>
+          <p:nvPr>
+            <p:ph type="dt" sz="half" idx="10"/>
+          </p:nvPr>
+        </p:nvSpPr>
+        <p:spPr/>
+        <p:txBody>
+          <a:bodyPr/>
+          <a:lstStyle/>
+          <a:p>
+            <a:fld id="{D4383D7C-BCB1-48D6-9C71-3B5E2B5839F3}" type="datetimeFigureOut">
+              <a:rPr lang="ru-RU" smtClean="0"/>
+              <a:t>24.02.2025</a:t>
+            </a:fld>
+            <a:endParaRPr lang="ru-RU"/>
+          </a:p>
+        </p:txBody>
+      </p:sp>
+      <p:sp>
+        <p:nvSpPr>
+          <p:cNvPr id="3" name="Нижний колонтитул 2">
+            <a:extLst>
+              <a:ext uri="{FF2B5EF4-FFF2-40B4-BE49-F238E27FC236}">
+                <a16:creationId xmlns:a16="http://schemas.microsoft.com/office/drawing/2014/main" id="{326A568E-BEEA-4C0C-BCE9-7D3AFB4DCDBB}"/>
+              </a:ext>
+            </a:extLst>
+          </p:cNvPr>
+          <p:cNvSpPr>
+            <a:spLocks noGrp="1"/>
+          </p:cNvSpPr>
+          <p:nvPr>
+            <p:ph type="ftr" sz="quarter" idx="11"/>
+          </p:nvPr>
+        </p:nvSpPr>
+        <p:spPr/>
+        <p:txBody>
+          <a:bodyPr/>
+          <a:lstStyle/>
+          <a:p>
+            <a:endParaRPr lang="ru-RU"/>
+          </a:p>
+        </p:txBody>
+      </p:sp>
+      <p:sp>
+        <p:nvSpPr>
+          <p:cNvPr id="4" name="Номер слайда 3">
+            <a:extLst>
+              <a:ext uri="{FF2B5EF4-FFF2-40B4-BE49-F238E27FC236}">
+                <a16:creationId xmlns:a16="http://schemas.microsoft.com/office/drawing/2014/main" id="{0E61DCF8-D536-4532-9EF8-02135407602B}"/>
+              </a:ext>
+            </a:extLst>
+          </p:cNvPr>
+          <p:cNvSpPr>
+            <a:spLocks noGrp="1"/>
+          </p:cNvSpPr>
+          <p:nvPr>
+            <p:ph type="sldNum" sz="quarter" idx="12"/>
+          </p:nvPr>
+        </p:nvSpPr>
+        <p:spPr/>
+        <p:txBody>
+          <a:bodyPr/>
+          <a:lstStyle/>
+          <a:p>
+            <a:fld id="{8A94AF88-6DC9-4174-A242-5362BF603375}" type="slidenum">
+              <a:rPr lang="ru-RU" smtClean="0"/>
+              <a:t>‹#›</a:t>
+            </a:fld>
+            <a:endParaRPr lang="ru-RU"/>
+          </a:p>
+        </p:txBody>
+      </p:sp>
+    </p:spTree>
+    <p:extLst>
+      <p:ext uri="{BB962C8B-B14F-4D97-AF65-F5344CB8AC3E}">
+        <p14:creationId xmlns:p14="http://schemas.microsoft.com/office/powerpoint/2010/main" val="3826460185"/>
+      </p:ext>
+    </p:extLst>
+  </p:cSld>
+  <p:clrMapOvr>
+    <a:masterClrMapping/>
+  </p:clrMapOvr>
+</p:sldLayout>
+</file>
+
+<file path=ppt/slideLayouts/slideLayout28.xml><?xml version="1.0" encoding="utf-8"?>
+<p:sldLayout xmlns:a="http://schemas.openxmlformats.org/drawingml/2006/main" xmlns:r="http://schemas.openxmlformats.org/officeDocument/2006/relationships" xmlns:p="http://schemas.openxmlformats.org/presentationml/2006/main" type="objTx" preserve="1">
+  <p:cSld name="Объект с подписью">
+    <p:spTree>
+      <p:nvGrpSpPr>
+        <p:cNvPr id="1" name=""/>
+        <p:cNvGrpSpPr/>
+        <p:nvPr/>
+      </p:nvGrpSpPr>
+      <p:grpSpPr>
+        <a:xfrm>
+          <a:off x="0" y="0"/>
+          <a:ext cx="0" cy="0"/>
+          <a:chOff x="0" y="0"/>
+          <a:chExt cx="0" cy="0"/>
+        </a:xfrm>
+      </p:grpSpPr>
+      <p:sp>
+        <p:nvSpPr>
+          <p:cNvPr id="2" name="Заголовок 1">
+            <a:extLst>
+              <a:ext uri="{FF2B5EF4-FFF2-40B4-BE49-F238E27FC236}">
+                <a16:creationId xmlns:a16="http://schemas.microsoft.com/office/drawing/2014/main" id="{03AC8DB7-54C3-42DB-96A6-E952678D7B47}"/>
+              </a:ext>
+            </a:extLst>
+          </p:cNvPr>
+          <p:cNvSpPr>
+            <a:spLocks noGrp="1"/>
+          </p:cNvSpPr>
+          <p:nvPr>
+            <p:ph type="title"/>
+          </p:nvPr>
+        </p:nvSpPr>
+        <p:spPr>
+          <a:xfrm>
+            <a:off x="839788" y="457200"/>
+            <a:ext cx="3932237" cy="1600200"/>
+          </a:xfrm>
+        </p:spPr>
+        <p:txBody>
+          <a:bodyPr anchor="b"/>
+          <a:lstStyle>
+            <a:lvl1pPr>
+              <a:defRPr sz="3200"/>
+            </a:lvl1pPr>
+          </a:lstStyle>
+          <a:p>
+            <a:r>
+              <a:rPr lang="ru-RU"/>
+              <a:t>Образец заголовка</a:t>
+            </a:r>
+          </a:p>
+        </p:txBody>
+      </p:sp>
+      <p:sp>
+        <p:nvSpPr>
+          <p:cNvPr id="3" name="Объект 2">
+            <a:extLst>
+              <a:ext uri="{FF2B5EF4-FFF2-40B4-BE49-F238E27FC236}">
+                <a16:creationId xmlns:a16="http://schemas.microsoft.com/office/drawing/2014/main" id="{8A63772D-1B88-4C70-ADF1-73E654CB059D}"/>
+              </a:ext>
+            </a:extLst>
+          </p:cNvPr>
+          <p:cNvSpPr>
+            <a:spLocks noGrp="1"/>
+          </p:cNvSpPr>
+          <p:nvPr>
+            <p:ph idx="1"/>
+          </p:nvPr>
+        </p:nvSpPr>
+        <p:spPr>
+          <a:xfrm>
+            <a:off x="5183188" y="987425"/>
+            <a:ext cx="6172200" cy="4873625"/>
+          </a:xfrm>
+        </p:spPr>
+        <p:txBody>
+          <a:bodyPr/>
+          <a:lstStyle>
+            <a:lvl1pPr>
+              <a:defRPr sz="3200"/>
+            </a:lvl1pPr>
+            <a:lvl2pPr>
+              <a:defRPr sz="2800"/>
+            </a:lvl2pPr>
+            <a:lvl3pPr>
+              <a:defRPr sz="2400"/>
+            </a:lvl3pPr>
+            <a:lvl4pPr>
+              <a:defRPr sz="2000"/>
+            </a:lvl4pPr>
+            <a:lvl5pPr>
+              <a:defRPr sz="2000"/>
+            </a:lvl5pPr>
+            <a:lvl6pPr>
+              <a:defRPr sz="2000"/>
+            </a:lvl6pPr>
+            <a:lvl7pPr>
+              <a:defRPr sz="2000"/>
+            </a:lvl7pPr>
+            <a:lvl8pPr>
+              <a:defRPr sz="2000"/>
+            </a:lvl8pPr>
+            <a:lvl9pPr>
+              <a:defRPr sz="2000"/>
+            </a:lvl9pPr>
+          </a:lstStyle>
+          <a:p>
+            <a:pPr lvl="0"/>
+            <a:r>
+              <a:rPr lang="ru-RU"/>
+              <a:t>Образец текста</a:t>
+            </a:r>
+          </a:p>
+          <a:p>
+            <a:pPr lvl="1"/>
+            <a:r>
+              <a:rPr lang="ru-RU"/>
+              <a:t>Второй уровень</a:t>
+            </a:r>
+          </a:p>
+          <a:p>
+            <a:pPr lvl="2"/>
+            <a:r>
+              <a:rPr lang="ru-RU"/>
+              <a:t>Третий уровень</a:t>
+            </a:r>
+          </a:p>
+          <a:p>
+            <a:pPr lvl="3"/>
+            <a:r>
+              <a:rPr lang="ru-RU"/>
+              <a:t>Четвертый уровень</a:t>
+            </a:r>
+          </a:p>
+          <a:p>
+            <a:pPr lvl="4"/>
+            <a:r>
+              <a:rPr lang="ru-RU"/>
+              <a:t>Пятый уровень</a:t>
+            </a:r>
+          </a:p>
+        </p:txBody>
+      </p:sp>
+      <p:sp>
+        <p:nvSpPr>
+          <p:cNvPr id="4" name="Текст 3">
+            <a:extLst>
+              <a:ext uri="{FF2B5EF4-FFF2-40B4-BE49-F238E27FC236}">
+                <a16:creationId xmlns:a16="http://schemas.microsoft.com/office/drawing/2014/main" id="{8E2B8047-0270-4A61-B8FC-824AA2CCF746}"/>
+              </a:ext>
+            </a:extLst>
+          </p:cNvPr>
+          <p:cNvSpPr>
+            <a:spLocks noGrp="1"/>
+          </p:cNvSpPr>
+          <p:nvPr>
+            <p:ph type="body" sz="half" idx="2"/>
+          </p:nvPr>
+        </p:nvSpPr>
+        <p:spPr>
+          <a:xfrm>
+            <a:off x="839788" y="2057400"/>
+            <a:ext cx="3932237" cy="3811588"/>
+          </a:xfrm>
+        </p:spPr>
+        <p:txBody>
+          <a:bodyPr/>
+          <a:lstStyle>
+            <a:lvl1pPr marL="0" indent="0">
+              <a:buNone/>
+              <a:defRPr sz="1600"/>
+            </a:lvl1pPr>
+            <a:lvl2pPr marL="457200" indent="0">
+              <a:buNone/>
+              <a:defRPr sz="1400"/>
+            </a:lvl2pPr>
+            <a:lvl3pPr marL="914400" indent="0">
+              <a:buNone/>
+              <a:defRPr sz="1200"/>
+            </a:lvl3pPr>
+            <a:lvl4pPr marL="1371600" indent="0">
+              <a:buNone/>
+              <a:defRPr sz="1000"/>
+            </a:lvl4pPr>
+            <a:lvl5pPr marL="1828800" indent="0">
+              <a:buNone/>
+              <a:defRPr sz="1000"/>
+            </a:lvl5pPr>
+            <a:lvl6pPr marL="2286000" indent="0">
+              <a:buNone/>
+              <a:defRPr sz="1000"/>
+            </a:lvl6pPr>
+            <a:lvl7pPr marL="2743200" indent="0">
+              <a:buNone/>
+              <a:defRPr sz="1000"/>
+            </a:lvl7pPr>
+            <a:lvl8pPr marL="3200400" indent="0">
+              <a:buNone/>
+              <a:defRPr sz="1000"/>
+            </a:lvl8pPr>
+            <a:lvl9pPr marL="3657600" indent="0">
+              <a:buNone/>
+              <a:defRPr sz="1000"/>
+            </a:lvl9pPr>
+          </a:lstStyle>
+          <a:p>
+            <a:pPr lvl="0"/>
+            <a:r>
+              <a:rPr lang="ru-RU"/>
+              <a:t>Образец текста</a:t>
+            </a:r>
+          </a:p>
+        </p:txBody>
+      </p:sp>
+      <p:sp>
+        <p:nvSpPr>
+          <p:cNvPr id="5" name="Дата 4">
+            <a:extLst>
+              <a:ext uri="{FF2B5EF4-FFF2-40B4-BE49-F238E27FC236}">
+                <a16:creationId xmlns:a16="http://schemas.microsoft.com/office/drawing/2014/main" id="{3D17E7D9-B9AD-414F-B338-CAB3B5CF9BAB}"/>
+              </a:ext>
+            </a:extLst>
+          </p:cNvPr>
+          <p:cNvSpPr>
+            <a:spLocks noGrp="1"/>
+          </p:cNvSpPr>
+          <p:nvPr>
+            <p:ph type="dt" sz="half" idx="10"/>
+          </p:nvPr>
+        </p:nvSpPr>
+        <p:spPr/>
+        <p:txBody>
+          <a:bodyPr/>
+          <a:lstStyle/>
+          <a:p>
+            <a:fld id="{D4383D7C-BCB1-48D6-9C71-3B5E2B5839F3}" type="datetimeFigureOut">
+              <a:rPr lang="ru-RU" smtClean="0"/>
+              <a:t>24.02.2025</a:t>
+            </a:fld>
+            <a:endParaRPr lang="ru-RU"/>
+          </a:p>
+        </p:txBody>
+      </p:sp>
+      <p:sp>
+        <p:nvSpPr>
+          <p:cNvPr id="6" name="Нижний колонтитул 5">
+            <a:extLst>
+              <a:ext uri="{FF2B5EF4-FFF2-40B4-BE49-F238E27FC236}">
+                <a16:creationId xmlns:a16="http://schemas.microsoft.com/office/drawing/2014/main" id="{5EF37DE3-FE0E-4BD0-AD16-3E477787678F}"/>
+              </a:ext>
+            </a:extLst>
+          </p:cNvPr>
+          <p:cNvSpPr>
+            <a:spLocks noGrp="1"/>
+          </p:cNvSpPr>
+          <p:nvPr>
+            <p:ph type="ftr" sz="quarter" idx="11"/>
+          </p:nvPr>
+        </p:nvSpPr>
+        <p:spPr/>
+        <p:txBody>
+          <a:bodyPr/>
+          <a:lstStyle/>
+          <a:p>
+            <a:endParaRPr lang="ru-RU"/>
+          </a:p>
+        </p:txBody>
+      </p:sp>
+      <p:sp>
+        <p:nvSpPr>
+          <p:cNvPr id="7" name="Номер слайда 6">
+            <a:extLst>
+              <a:ext uri="{FF2B5EF4-FFF2-40B4-BE49-F238E27FC236}">
+                <a16:creationId xmlns:a16="http://schemas.microsoft.com/office/drawing/2014/main" id="{E493C85E-24ED-434A-A426-00ACFAF00A6D}"/>
+              </a:ext>
+            </a:extLst>
+          </p:cNvPr>
+          <p:cNvSpPr>
+            <a:spLocks noGrp="1"/>
+          </p:cNvSpPr>
+          <p:nvPr>
+            <p:ph type="sldNum" sz="quarter" idx="12"/>
+          </p:nvPr>
+        </p:nvSpPr>
+        <p:spPr/>
+        <p:txBody>
+          <a:bodyPr/>
+          <a:lstStyle/>
+          <a:p>
+            <a:fld id="{8A94AF88-6DC9-4174-A242-5362BF603375}" type="slidenum">
+              <a:rPr lang="ru-RU" smtClean="0"/>
+              <a:t>‹#›</a:t>
+            </a:fld>
+            <a:endParaRPr lang="ru-RU"/>
+          </a:p>
+        </p:txBody>
+      </p:sp>
+    </p:spTree>
+    <p:extLst>
+      <p:ext uri="{BB962C8B-B14F-4D97-AF65-F5344CB8AC3E}">
+        <p14:creationId xmlns:p14="http://schemas.microsoft.com/office/powerpoint/2010/main" val="1345192290"/>
+      </p:ext>
+    </p:extLst>
+  </p:cSld>
+  <p:clrMapOvr>
+    <a:masterClrMapping/>
+  </p:clrMapOvr>
+</p:sldLayout>
+</file>
+
+<file path=ppt/slideLayouts/slideLayout29.xml><?xml version="1.0" encoding="utf-8"?>
+<p:sldLayout xmlns:a="http://schemas.openxmlformats.org/drawingml/2006/main" xmlns:r="http://schemas.openxmlformats.org/officeDocument/2006/relationships" xmlns:p="http://schemas.openxmlformats.org/presentationml/2006/main" type="picTx" preserve="1">
+  <p:cSld name="Рисунок с подписью">
+    <p:spTree>
+      <p:nvGrpSpPr>
+        <p:cNvPr id="1" name=""/>
+        <p:cNvGrpSpPr/>
+        <p:nvPr/>
+      </p:nvGrpSpPr>
+      <p:grpSpPr>
+        <a:xfrm>
+          <a:off x="0" y="0"/>
+          <a:ext cx="0" cy="0"/>
+          <a:chOff x="0" y="0"/>
+          <a:chExt cx="0" cy="0"/>
+        </a:xfrm>
+      </p:grpSpPr>
+      <p:sp>
+        <p:nvSpPr>
+          <p:cNvPr id="2" name="Заголовок 1">
+            <a:extLst>
+              <a:ext uri="{FF2B5EF4-FFF2-40B4-BE49-F238E27FC236}">
+                <a16:creationId xmlns:a16="http://schemas.microsoft.com/office/drawing/2014/main" id="{954F29AD-9E71-46D5-A418-9F0BD9BCC2E0}"/>
+              </a:ext>
+            </a:extLst>
+          </p:cNvPr>
+          <p:cNvSpPr>
+            <a:spLocks noGrp="1"/>
+          </p:cNvSpPr>
+          <p:nvPr>
+            <p:ph type="title"/>
+          </p:nvPr>
+        </p:nvSpPr>
+        <p:spPr>
+          <a:xfrm>
+            <a:off x="839788" y="457200"/>
+            <a:ext cx="3932237" cy="1600200"/>
+          </a:xfrm>
+        </p:spPr>
+        <p:txBody>
+          <a:bodyPr anchor="b"/>
+          <a:lstStyle>
+            <a:lvl1pPr>
+              <a:defRPr sz="3200"/>
+            </a:lvl1pPr>
+          </a:lstStyle>
+          <a:p>
+            <a:r>
+              <a:rPr lang="ru-RU"/>
+              <a:t>Образец заголовка</a:t>
+            </a:r>
+          </a:p>
+        </p:txBody>
+      </p:sp>
+      <p:sp>
+        <p:nvSpPr>
+          <p:cNvPr id="3" name="Рисунок 2">
+            <a:extLst>
+              <a:ext uri="{FF2B5EF4-FFF2-40B4-BE49-F238E27FC236}">
+                <a16:creationId xmlns:a16="http://schemas.microsoft.com/office/drawing/2014/main" id="{339C776A-6643-4585-9556-D85E73A36484}"/>
+              </a:ext>
+            </a:extLst>
+          </p:cNvPr>
+          <p:cNvSpPr>
+            <a:spLocks noGrp="1"/>
+          </p:cNvSpPr>
+          <p:nvPr>
+            <p:ph type="pic" idx="1"/>
+          </p:nvPr>
+        </p:nvSpPr>
+        <p:spPr>
+          <a:xfrm>
+            <a:off x="5183188" y="987425"/>
+            <a:ext cx="6172200" cy="4873625"/>
+          </a:xfrm>
+        </p:spPr>
+        <p:txBody>
+          <a:bodyPr/>
+          <a:lstStyle>
+            <a:lvl1pPr marL="0" indent="0">
+              <a:buNone/>
+              <a:defRPr sz="3200"/>
+            </a:lvl1pPr>
+            <a:lvl2pPr marL="457200" indent="0">
+              <a:buNone/>
+              <a:defRPr sz="2800"/>
+            </a:lvl2pPr>
+            <a:lvl3pPr marL="914400" indent="0">
+              <a:buNone/>
+              <a:defRPr sz="2400"/>
+            </a:lvl3pPr>
+            <a:lvl4pPr marL="1371600" indent="0">
+              <a:buNone/>
+              <a:defRPr sz="2000"/>
+            </a:lvl4pPr>
+            <a:lvl5pPr marL="1828800" indent="0">
+              <a:buNone/>
+              <a:defRPr sz="2000"/>
+            </a:lvl5pPr>
+            <a:lvl6pPr marL="2286000" indent="0">
+              <a:buNone/>
+              <a:defRPr sz="2000"/>
+            </a:lvl6pPr>
+            <a:lvl7pPr marL="2743200" indent="0">
+              <a:buNone/>
+              <a:defRPr sz="2000"/>
+            </a:lvl7pPr>
+            <a:lvl8pPr marL="3200400" indent="0">
+              <a:buNone/>
+              <a:defRPr sz="2000"/>
+            </a:lvl8pPr>
+            <a:lvl9pPr marL="3657600" indent="0">
+              <a:buNone/>
+              <a:defRPr sz="2000"/>
+            </a:lvl9pPr>
+          </a:lstStyle>
+          <a:p>
+            <a:endParaRPr lang="ru-RU"/>
+          </a:p>
+        </p:txBody>
+      </p:sp>
+      <p:sp>
+        <p:nvSpPr>
+          <p:cNvPr id="4" name="Текст 3">
+            <a:extLst>
+              <a:ext uri="{FF2B5EF4-FFF2-40B4-BE49-F238E27FC236}">
+                <a16:creationId xmlns:a16="http://schemas.microsoft.com/office/drawing/2014/main" id="{E123181B-97AD-4EC6-ACD3-9A8E1F2B8489}"/>
+              </a:ext>
+            </a:extLst>
+          </p:cNvPr>
+          <p:cNvSpPr>
+            <a:spLocks noGrp="1"/>
+          </p:cNvSpPr>
+          <p:nvPr>
+            <p:ph type="body" sz="half" idx="2"/>
+          </p:nvPr>
+        </p:nvSpPr>
+        <p:spPr>
+          <a:xfrm>
+            <a:off x="839788" y="2057400"/>
+            <a:ext cx="3932237" cy="3811588"/>
+          </a:xfrm>
+        </p:spPr>
+        <p:txBody>
+          <a:bodyPr/>
+          <a:lstStyle>
+            <a:lvl1pPr marL="0" indent="0">
+              <a:buNone/>
+              <a:defRPr sz="1600"/>
+            </a:lvl1pPr>
+            <a:lvl2pPr marL="457200" indent="0">
+              <a:buNone/>
+              <a:defRPr sz="1400"/>
+            </a:lvl2pPr>
+            <a:lvl3pPr marL="914400" indent="0">
+              <a:buNone/>
+              <a:defRPr sz="1200"/>
+            </a:lvl3pPr>
+            <a:lvl4pPr marL="1371600" indent="0">
+              <a:buNone/>
+              <a:defRPr sz="1000"/>
+            </a:lvl4pPr>
+            <a:lvl5pPr marL="1828800" indent="0">
+              <a:buNone/>
+              <a:defRPr sz="1000"/>
+            </a:lvl5pPr>
+            <a:lvl6pPr marL="2286000" indent="0">
+              <a:buNone/>
+              <a:defRPr sz="1000"/>
+            </a:lvl6pPr>
+            <a:lvl7pPr marL="2743200" indent="0">
+              <a:buNone/>
+              <a:defRPr sz="1000"/>
+            </a:lvl7pPr>
+            <a:lvl8pPr marL="3200400" indent="0">
+              <a:buNone/>
+              <a:defRPr sz="1000"/>
+            </a:lvl8pPr>
+            <a:lvl9pPr marL="3657600" indent="0">
+              <a:buNone/>
+              <a:defRPr sz="1000"/>
+            </a:lvl9pPr>
+          </a:lstStyle>
+          <a:p>
+            <a:pPr lvl="0"/>
+            <a:r>
+              <a:rPr lang="ru-RU"/>
+              <a:t>Образец текста</a:t>
+            </a:r>
+          </a:p>
+        </p:txBody>
+      </p:sp>
+      <p:sp>
+        <p:nvSpPr>
+          <p:cNvPr id="5" name="Дата 4">
+            <a:extLst>
+              <a:ext uri="{FF2B5EF4-FFF2-40B4-BE49-F238E27FC236}">
+                <a16:creationId xmlns:a16="http://schemas.microsoft.com/office/drawing/2014/main" id="{79F1A678-A438-4908-9843-4B212A8B946B}"/>
+              </a:ext>
+            </a:extLst>
+          </p:cNvPr>
+          <p:cNvSpPr>
+            <a:spLocks noGrp="1"/>
+          </p:cNvSpPr>
+          <p:nvPr>
+            <p:ph type="dt" sz="half" idx="10"/>
+          </p:nvPr>
+        </p:nvSpPr>
+        <p:spPr/>
+        <p:txBody>
+          <a:bodyPr/>
+          <a:lstStyle/>
+          <a:p>
+            <a:fld id="{D4383D7C-BCB1-48D6-9C71-3B5E2B5839F3}" type="datetimeFigureOut">
+              <a:rPr lang="ru-RU" smtClean="0"/>
+              <a:t>24.02.2025</a:t>
+            </a:fld>
+            <a:endParaRPr lang="ru-RU"/>
+          </a:p>
+        </p:txBody>
+      </p:sp>
+      <p:sp>
+        <p:nvSpPr>
+          <p:cNvPr id="6" name="Нижний колонтитул 5">
+            <a:extLst>
+              <a:ext uri="{FF2B5EF4-FFF2-40B4-BE49-F238E27FC236}">
+                <a16:creationId xmlns:a16="http://schemas.microsoft.com/office/drawing/2014/main" id="{EC8DBFC6-6B1E-4631-91F6-C4C784A3C49A}"/>
+              </a:ext>
+            </a:extLst>
+          </p:cNvPr>
+          <p:cNvSpPr>
+            <a:spLocks noGrp="1"/>
+          </p:cNvSpPr>
+          <p:nvPr>
+            <p:ph type="ftr" sz="quarter" idx="11"/>
+          </p:nvPr>
+        </p:nvSpPr>
+        <p:spPr/>
+        <p:txBody>
+          <a:bodyPr/>
+          <a:lstStyle/>
+          <a:p>
+            <a:endParaRPr lang="ru-RU"/>
+          </a:p>
+        </p:txBody>
+      </p:sp>
+      <p:sp>
+        <p:nvSpPr>
+          <p:cNvPr id="7" name="Номер слайда 6">
+            <a:extLst>
+              <a:ext uri="{FF2B5EF4-FFF2-40B4-BE49-F238E27FC236}">
+                <a16:creationId xmlns:a16="http://schemas.microsoft.com/office/drawing/2014/main" id="{2D7811B8-A279-45C7-A407-14356557F066}"/>
+              </a:ext>
+            </a:extLst>
+          </p:cNvPr>
+          <p:cNvSpPr>
+            <a:spLocks noGrp="1"/>
+          </p:cNvSpPr>
+          <p:nvPr>
+            <p:ph type="sldNum" sz="quarter" idx="12"/>
+          </p:nvPr>
+        </p:nvSpPr>
+        <p:spPr/>
+        <p:txBody>
+          <a:bodyPr/>
+          <a:lstStyle/>
+          <a:p>
+            <a:fld id="{8A94AF88-6DC9-4174-A242-5362BF603375}" type="slidenum">
+              <a:rPr lang="ru-RU" smtClean="0"/>
+              <a:t>‹#›</a:t>
+            </a:fld>
+            <a:endParaRPr lang="ru-RU"/>
+          </a:p>
+        </p:txBody>
+      </p:sp>
+    </p:spTree>
+    <p:extLst>
+      <p:ext uri="{BB962C8B-B14F-4D97-AF65-F5344CB8AC3E}">
+        <p14:creationId xmlns:p14="http://schemas.microsoft.com/office/powerpoint/2010/main" val="4122003054"/>
+      </p:ext>
+    </p:extLst>
+  </p:cSld>
+  <p:clrMapOvr>
+    <a:masterClrMapping/>
+  </p:clrMapOvr>
+</p:sldLayout>
+</file>
+
 <file path=ppt/slideLayouts/slideLayout3.xml><?xml version="1.0" encoding="utf-8"?>
 <p:sldLayout xmlns:a="http://schemas.openxmlformats.org/drawingml/2006/main" xmlns:r="http://schemas.openxmlformats.org/officeDocument/2006/relationships" xmlns:p="http://schemas.openxmlformats.org/presentationml/2006/main" type="obj" preserve="1">
   <p:cSld name="Заголовок и объект">
@@ -6811,7 +9019,7 @@
             <a:pPr rtl="0"/>
             <a:fld id="{2435498C-2776-4754-BDFD-6B3FF9B6428D}" type="datetime1">
               <a:rPr lang="ru-RU" noProof="0" smtClean="0"/>
-              <a:t>23.02.2025</a:t>
+              <a:t>24.02.2025</a:t>
             </a:fld>
             <a:endParaRPr lang="ru-RU" noProof="0" dirty="0"/>
           </a:p>
@@ -6880,6 +9088,553 @@
     <p:extLst>
       <p:ext uri="{BB962C8B-B14F-4D97-AF65-F5344CB8AC3E}">
         <p14:creationId xmlns:p14="http://schemas.microsoft.com/office/powerpoint/2010/main" val="2018278439"/>
+      </p:ext>
+    </p:extLst>
+  </p:cSld>
+  <p:clrMapOvr>
+    <a:masterClrMapping/>
+  </p:clrMapOvr>
+</p:sldLayout>
+</file>
+
+<file path=ppt/slideLayouts/slideLayout30.xml><?xml version="1.0" encoding="utf-8"?>
+<p:sldLayout xmlns:a="http://schemas.openxmlformats.org/drawingml/2006/main" xmlns:r="http://schemas.openxmlformats.org/officeDocument/2006/relationships" xmlns:p="http://schemas.openxmlformats.org/presentationml/2006/main" type="vertTx" preserve="1">
+  <p:cSld name="Заголовок и вертикальный текст">
+    <p:spTree>
+      <p:nvGrpSpPr>
+        <p:cNvPr id="1" name=""/>
+        <p:cNvGrpSpPr/>
+        <p:nvPr/>
+      </p:nvGrpSpPr>
+      <p:grpSpPr>
+        <a:xfrm>
+          <a:off x="0" y="0"/>
+          <a:ext cx="0" cy="0"/>
+          <a:chOff x="0" y="0"/>
+          <a:chExt cx="0" cy="0"/>
+        </a:xfrm>
+      </p:grpSpPr>
+      <p:sp>
+        <p:nvSpPr>
+          <p:cNvPr id="2" name="Заголовок 1">
+            <a:extLst>
+              <a:ext uri="{FF2B5EF4-FFF2-40B4-BE49-F238E27FC236}">
+                <a16:creationId xmlns:a16="http://schemas.microsoft.com/office/drawing/2014/main" id="{CDDD4A58-FA2F-45E3-8932-8CB96FBD5C03}"/>
+              </a:ext>
+            </a:extLst>
+          </p:cNvPr>
+          <p:cNvSpPr>
+            <a:spLocks noGrp="1"/>
+          </p:cNvSpPr>
+          <p:nvPr>
+            <p:ph type="title"/>
+          </p:nvPr>
+        </p:nvSpPr>
+        <p:spPr/>
+        <p:txBody>
+          <a:bodyPr/>
+          <a:lstStyle/>
+          <a:p>
+            <a:r>
+              <a:rPr lang="ru-RU"/>
+              <a:t>Образец заголовка</a:t>
+            </a:r>
+          </a:p>
+        </p:txBody>
+      </p:sp>
+      <p:sp>
+        <p:nvSpPr>
+          <p:cNvPr id="3" name="Вертикальный текст 2">
+            <a:extLst>
+              <a:ext uri="{FF2B5EF4-FFF2-40B4-BE49-F238E27FC236}">
+                <a16:creationId xmlns:a16="http://schemas.microsoft.com/office/drawing/2014/main" id="{7FC9855E-3074-4B90-8906-0608E1B1A4F6}"/>
+              </a:ext>
+            </a:extLst>
+          </p:cNvPr>
+          <p:cNvSpPr>
+            <a:spLocks noGrp="1"/>
+          </p:cNvSpPr>
+          <p:nvPr>
+            <p:ph type="body" orient="vert" idx="1"/>
+          </p:nvPr>
+        </p:nvSpPr>
+        <p:spPr/>
+        <p:txBody>
+          <a:bodyPr vert="eaVert"/>
+          <a:lstStyle/>
+          <a:p>
+            <a:pPr lvl="0"/>
+            <a:r>
+              <a:rPr lang="ru-RU"/>
+              <a:t>Образец текста</a:t>
+            </a:r>
+          </a:p>
+          <a:p>
+            <a:pPr lvl="1"/>
+            <a:r>
+              <a:rPr lang="ru-RU"/>
+              <a:t>Второй уровень</a:t>
+            </a:r>
+          </a:p>
+          <a:p>
+            <a:pPr lvl="2"/>
+            <a:r>
+              <a:rPr lang="ru-RU"/>
+              <a:t>Третий уровень</a:t>
+            </a:r>
+          </a:p>
+          <a:p>
+            <a:pPr lvl="3"/>
+            <a:r>
+              <a:rPr lang="ru-RU"/>
+              <a:t>Четвертый уровень</a:t>
+            </a:r>
+          </a:p>
+          <a:p>
+            <a:pPr lvl="4"/>
+            <a:r>
+              <a:rPr lang="ru-RU"/>
+              <a:t>Пятый уровень</a:t>
+            </a:r>
+          </a:p>
+        </p:txBody>
+      </p:sp>
+      <p:sp>
+        <p:nvSpPr>
+          <p:cNvPr id="4" name="Дата 3">
+            <a:extLst>
+              <a:ext uri="{FF2B5EF4-FFF2-40B4-BE49-F238E27FC236}">
+                <a16:creationId xmlns:a16="http://schemas.microsoft.com/office/drawing/2014/main" id="{4BED4ED6-6B41-4CF4-B73B-AA07B4DE964E}"/>
+              </a:ext>
+            </a:extLst>
+          </p:cNvPr>
+          <p:cNvSpPr>
+            <a:spLocks noGrp="1"/>
+          </p:cNvSpPr>
+          <p:nvPr>
+            <p:ph type="dt" sz="half" idx="10"/>
+          </p:nvPr>
+        </p:nvSpPr>
+        <p:spPr/>
+        <p:txBody>
+          <a:bodyPr/>
+          <a:lstStyle/>
+          <a:p>
+            <a:fld id="{D4383D7C-BCB1-48D6-9C71-3B5E2B5839F3}" type="datetimeFigureOut">
+              <a:rPr lang="ru-RU" smtClean="0"/>
+              <a:t>24.02.2025</a:t>
+            </a:fld>
+            <a:endParaRPr lang="ru-RU"/>
+          </a:p>
+        </p:txBody>
+      </p:sp>
+      <p:sp>
+        <p:nvSpPr>
+          <p:cNvPr id="5" name="Нижний колонтитул 4">
+            <a:extLst>
+              <a:ext uri="{FF2B5EF4-FFF2-40B4-BE49-F238E27FC236}">
+                <a16:creationId xmlns:a16="http://schemas.microsoft.com/office/drawing/2014/main" id="{6F9779A5-B3D8-4B71-8076-319E36A513AB}"/>
+              </a:ext>
+            </a:extLst>
+          </p:cNvPr>
+          <p:cNvSpPr>
+            <a:spLocks noGrp="1"/>
+          </p:cNvSpPr>
+          <p:nvPr>
+            <p:ph type="ftr" sz="quarter" idx="11"/>
+          </p:nvPr>
+        </p:nvSpPr>
+        <p:spPr/>
+        <p:txBody>
+          <a:bodyPr/>
+          <a:lstStyle/>
+          <a:p>
+            <a:endParaRPr lang="ru-RU"/>
+          </a:p>
+        </p:txBody>
+      </p:sp>
+      <p:sp>
+        <p:nvSpPr>
+          <p:cNvPr id="6" name="Номер слайда 5">
+            <a:extLst>
+              <a:ext uri="{FF2B5EF4-FFF2-40B4-BE49-F238E27FC236}">
+                <a16:creationId xmlns:a16="http://schemas.microsoft.com/office/drawing/2014/main" id="{7B5D3098-3730-4D58-9ED7-C95C1CAE90BB}"/>
+              </a:ext>
+            </a:extLst>
+          </p:cNvPr>
+          <p:cNvSpPr>
+            <a:spLocks noGrp="1"/>
+          </p:cNvSpPr>
+          <p:nvPr>
+            <p:ph type="sldNum" sz="quarter" idx="12"/>
+          </p:nvPr>
+        </p:nvSpPr>
+        <p:spPr/>
+        <p:txBody>
+          <a:bodyPr/>
+          <a:lstStyle/>
+          <a:p>
+            <a:fld id="{8A94AF88-6DC9-4174-A242-5362BF603375}" type="slidenum">
+              <a:rPr lang="ru-RU" smtClean="0"/>
+              <a:t>‹#›</a:t>
+            </a:fld>
+            <a:endParaRPr lang="ru-RU"/>
+          </a:p>
+        </p:txBody>
+      </p:sp>
+    </p:spTree>
+    <p:extLst>
+      <p:ext uri="{BB962C8B-B14F-4D97-AF65-F5344CB8AC3E}">
+        <p14:creationId xmlns:p14="http://schemas.microsoft.com/office/powerpoint/2010/main" val="1869875102"/>
+      </p:ext>
+    </p:extLst>
+  </p:cSld>
+  <p:clrMapOvr>
+    <a:masterClrMapping/>
+  </p:clrMapOvr>
+</p:sldLayout>
+</file>
+
+<file path=ppt/slideLayouts/slideLayout31.xml><?xml version="1.0" encoding="utf-8"?>
+<p:sldLayout xmlns:a="http://schemas.openxmlformats.org/drawingml/2006/main" xmlns:r="http://schemas.openxmlformats.org/officeDocument/2006/relationships" xmlns:p="http://schemas.openxmlformats.org/presentationml/2006/main" type="vertTitleAndTx" preserve="1">
+  <p:cSld name="Вертикальный заголовок и текст">
+    <p:spTree>
+      <p:nvGrpSpPr>
+        <p:cNvPr id="1" name=""/>
+        <p:cNvGrpSpPr/>
+        <p:nvPr/>
+      </p:nvGrpSpPr>
+      <p:grpSpPr>
+        <a:xfrm>
+          <a:off x="0" y="0"/>
+          <a:ext cx="0" cy="0"/>
+          <a:chOff x="0" y="0"/>
+          <a:chExt cx="0" cy="0"/>
+        </a:xfrm>
+      </p:grpSpPr>
+      <p:sp>
+        <p:nvSpPr>
+          <p:cNvPr id="2" name="Вертикальный заголовок 1">
+            <a:extLst>
+              <a:ext uri="{FF2B5EF4-FFF2-40B4-BE49-F238E27FC236}">
+                <a16:creationId xmlns:a16="http://schemas.microsoft.com/office/drawing/2014/main" id="{2C652474-1F22-40DC-B7B1-35A5D256AFFE}"/>
+              </a:ext>
+            </a:extLst>
+          </p:cNvPr>
+          <p:cNvSpPr>
+            <a:spLocks noGrp="1"/>
+          </p:cNvSpPr>
+          <p:nvPr>
+            <p:ph type="title" orient="vert"/>
+          </p:nvPr>
+        </p:nvSpPr>
+        <p:spPr>
+          <a:xfrm>
+            <a:off x="8724900" y="365125"/>
+            <a:ext cx="2628900" cy="5811838"/>
+          </a:xfrm>
+        </p:spPr>
+        <p:txBody>
+          <a:bodyPr vert="eaVert"/>
+          <a:lstStyle/>
+          <a:p>
+            <a:r>
+              <a:rPr lang="ru-RU"/>
+              <a:t>Образец заголовка</a:t>
+            </a:r>
+          </a:p>
+        </p:txBody>
+      </p:sp>
+      <p:sp>
+        <p:nvSpPr>
+          <p:cNvPr id="3" name="Вертикальный текст 2">
+            <a:extLst>
+              <a:ext uri="{FF2B5EF4-FFF2-40B4-BE49-F238E27FC236}">
+                <a16:creationId xmlns:a16="http://schemas.microsoft.com/office/drawing/2014/main" id="{EBCCB69E-06FF-462D-A055-E098D8615873}"/>
+              </a:ext>
+            </a:extLst>
+          </p:cNvPr>
+          <p:cNvSpPr>
+            <a:spLocks noGrp="1"/>
+          </p:cNvSpPr>
+          <p:nvPr>
+            <p:ph type="body" orient="vert" idx="1"/>
+          </p:nvPr>
+        </p:nvSpPr>
+        <p:spPr>
+          <a:xfrm>
+            <a:off x="838200" y="365125"/>
+            <a:ext cx="7734300" cy="5811838"/>
+          </a:xfrm>
+        </p:spPr>
+        <p:txBody>
+          <a:bodyPr vert="eaVert"/>
+          <a:lstStyle/>
+          <a:p>
+            <a:pPr lvl="0"/>
+            <a:r>
+              <a:rPr lang="ru-RU"/>
+              <a:t>Образец текста</a:t>
+            </a:r>
+          </a:p>
+          <a:p>
+            <a:pPr lvl="1"/>
+            <a:r>
+              <a:rPr lang="ru-RU"/>
+              <a:t>Второй уровень</a:t>
+            </a:r>
+          </a:p>
+          <a:p>
+            <a:pPr lvl="2"/>
+            <a:r>
+              <a:rPr lang="ru-RU"/>
+              <a:t>Третий уровень</a:t>
+            </a:r>
+          </a:p>
+          <a:p>
+            <a:pPr lvl="3"/>
+            <a:r>
+              <a:rPr lang="ru-RU"/>
+              <a:t>Четвертый уровень</a:t>
+            </a:r>
+          </a:p>
+          <a:p>
+            <a:pPr lvl="4"/>
+            <a:r>
+              <a:rPr lang="ru-RU"/>
+              <a:t>Пятый уровень</a:t>
+            </a:r>
+          </a:p>
+        </p:txBody>
+      </p:sp>
+      <p:sp>
+        <p:nvSpPr>
+          <p:cNvPr id="4" name="Дата 3">
+            <a:extLst>
+              <a:ext uri="{FF2B5EF4-FFF2-40B4-BE49-F238E27FC236}">
+                <a16:creationId xmlns:a16="http://schemas.microsoft.com/office/drawing/2014/main" id="{0DA1F715-FB74-4B36-9D84-6319A9807D53}"/>
+              </a:ext>
+            </a:extLst>
+          </p:cNvPr>
+          <p:cNvSpPr>
+            <a:spLocks noGrp="1"/>
+          </p:cNvSpPr>
+          <p:nvPr>
+            <p:ph type="dt" sz="half" idx="10"/>
+          </p:nvPr>
+        </p:nvSpPr>
+        <p:spPr/>
+        <p:txBody>
+          <a:bodyPr/>
+          <a:lstStyle/>
+          <a:p>
+            <a:fld id="{D4383D7C-BCB1-48D6-9C71-3B5E2B5839F3}" type="datetimeFigureOut">
+              <a:rPr lang="ru-RU" smtClean="0"/>
+              <a:t>24.02.2025</a:t>
+            </a:fld>
+            <a:endParaRPr lang="ru-RU"/>
+          </a:p>
+        </p:txBody>
+      </p:sp>
+      <p:sp>
+        <p:nvSpPr>
+          <p:cNvPr id="5" name="Нижний колонтитул 4">
+            <a:extLst>
+              <a:ext uri="{FF2B5EF4-FFF2-40B4-BE49-F238E27FC236}">
+                <a16:creationId xmlns:a16="http://schemas.microsoft.com/office/drawing/2014/main" id="{259BA259-D4B1-4197-B5CF-7FC45FEAA41B}"/>
+              </a:ext>
+            </a:extLst>
+          </p:cNvPr>
+          <p:cNvSpPr>
+            <a:spLocks noGrp="1"/>
+          </p:cNvSpPr>
+          <p:nvPr>
+            <p:ph type="ftr" sz="quarter" idx="11"/>
+          </p:nvPr>
+        </p:nvSpPr>
+        <p:spPr/>
+        <p:txBody>
+          <a:bodyPr/>
+          <a:lstStyle/>
+          <a:p>
+            <a:endParaRPr lang="ru-RU"/>
+          </a:p>
+        </p:txBody>
+      </p:sp>
+      <p:sp>
+        <p:nvSpPr>
+          <p:cNvPr id="6" name="Номер слайда 5">
+            <a:extLst>
+              <a:ext uri="{FF2B5EF4-FFF2-40B4-BE49-F238E27FC236}">
+                <a16:creationId xmlns:a16="http://schemas.microsoft.com/office/drawing/2014/main" id="{CE78F709-6F68-40E2-9007-02ECC1877B0A}"/>
+              </a:ext>
+            </a:extLst>
+          </p:cNvPr>
+          <p:cNvSpPr>
+            <a:spLocks noGrp="1"/>
+          </p:cNvSpPr>
+          <p:nvPr>
+            <p:ph type="sldNum" sz="quarter" idx="12"/>
+          </p:nvPr>
+        </p:nvSpPr>
+        <p:spPr/>
+        <p:txBody>
+          <a:bodyPr/>
+          <a:lstStyle/>
+          <a:p>
+            <a:fld id="{8A94AF88-6DC9-4174-A242-5362BF603375}" type="slidenum">
+              <a:rPr lang="ru-RU" smtClean="0"/>
+              <a:t>‹#›</a:t>
+            </a:fld>
+            <a:endParaRPr lang="ru-RU"/>
+          </a:p>
+        </p:txBody>
+      </p:sp>
+    </p:spTree>
+    <p:extLst>
+      <p:ext uri="{BB962C8B-B14F-4D97-AF65-F5344CB8AC3E}">
+        <p14:creationId xmlns:p14="http://schemas.microsoft.com/office/powerpoint/2010/main" val="1762067718"/>
+      </p:ext>
+    </p:extLst>
+  </p:cSld>
+  <p:clrMapOvr>
+    <a:masterClrMapping/>
+  </p:clrMapOvr>
+</p:sldLayout>
+</file>
+
+<file path=ppt/slideLayouts/slideLayout32.xml><?xml version="1.0" encoding="utf-8"?>
+<p:sldLayout xmlns:a="http://schemas.openxmlformats.org/drawingml/2006/main" xmlns:r="http://schemas.openxmlformats.org/officeDocument/2006/relationships" xmlns:p="http://schemas.openxmlformats.org/presentationml/2006/main" preserve="1" userDrawn="1">
+  <p:cSld name="Пользовательский макет">
+    <p:spTree>
+      <p:nvGrpSpPr>
+        <p:cNvPr id="1" name=""/>
+        <p:cNvGrpSpPr/>
+        <p:nvPr/>
+      </p:nvGrpSpPr>
+      <p:grpSpPr>
+        <a:xfrm>
+          <a:off x="0" y="0"/>
+          <a:ext cx="0" cy="0"/>
+          <a:chOff x="0" y="0"/>
+          <a:chExt cx="0" cy="0"/>
+        </a:xfrm>
+      </p:grpSpPr>
+      <p:sp>
+        <p:nvSpPr>
+          <p:cNvPr id="2" name="Заголовок 1">
+            <a:extLst>
+              <a:ext uri="{FF2B5EF4-FFF2-40B4-BE49-F238E27FC236}">
+                <a16:creationId xmlns:a16="http://schemas.microsoft.com/office/drawing/2014/main" id="{94318DF8-4B7E-41C2-9592-B98E3D68CE84}"/>
+              </a:ext>
+            </a:extLst>
+          </p:cNvPr>
+          <p:cNvSpPr>
+            <a:spLocks noGrp="1"/>
+          </p:cNvSpPr>
+          <p:nvPr>
+            <p:ph type="title"/>
+          </p:nvPr>
+        </p:nvSpPr>
+        <p:spPr/>
+        <p:txBody>
+          <a:bodyPr/>
+          <a:lstStyle/>
+          <a:p>
+            <a:r>
+              <a:rPr lang="ru-RU"/>
+              <a:t>Образец заголовка</a:t>
+            </a:r>
+          </a:p>
+        </p:txBody>
+      </p:sp>
+      <p:sp>
+        <p:nvSpPr>
+          <p:cNvPr id="3" name="Дата 2">
+            <a:extLst>
+              <a:ext uri="{FF2B5EF4-FFF2-40B4-BE49-F238E27FC236}">
+                <a16:creationId xmlns:a16="http://schemas.microsoft.com/office/drawing/2014/main" id="{0E2D6A19-9D22-48F8-B37E-A7477B46F0FF}"/>
+              </a:ext>
+            </a:extLst>
+          </p:cNvPr>
+          <p:cNvSpPr>
+            <a:spLocks noGrp="1"/>
+          </p:cNvSpPr>
+          <p:nvPr>
+            <p:ph type="dt" sz="half" idx="10"/>
+          </p:nvPr>
+        </p:nvSpPr>
+        <p:spPr/>
+        <p:txBody>
+          <a:bodyPr/>
+          <a:lstStyle/>
+          <a:p>
+            <a:fld id="{D4383D7C-BCB1-48D6-9C71-3B5E2B5839F3}" type="datetimeFigureOut">
+              <a:rPr lang="ru-RU" smtClean="0"/>
+              <a:t>24.02.2025</a:t>
+            </a:fld>
+            <a:endParaRPr lang="ru-RU"/>
+          </a:p>
+        </p:txBody>
+      </p:sp>
+      <p:sp>
+        <p:nvSpPr>
+          <p:cNvPr id="4" name="Нижний колонтитул 3">
+            <a:extLst>
+              <a:ext uri="{FF2B5EF4-FFF2-40B4-BE49-F238E27FC236}">
+                <a16:creationId xmlns:a16="http://schemas.microsoft.com/office/drawing/2014/main" id="{0F4EDAEF-4BA7-4015-A2EF-2F4944100572}"/>
+              </a:ext>
+            </a:extLst>
+          </p:cNvPr>
+          <p:cNvSpPr>
+            <a:spLocks noGrp="1"/>
+          </p:cNvSpPr>
+          <p:nvPr>
+            <p:ph type="ftr" sz="quarter" idx="11"/>
+          </p:nvPr>
+        </p:nvSpPr>
+        <p:spPr/>
+        <p:txBody>
+          <a:bodyPr/>
+          <a:lstStyle/>
+          <a:p>
+            <a:endParaRPr lang="ru-RU"/>
+          </a:p>
+        </p:txBody>
+      </p:sp>
+      <p:sp>
+        <p:nvSpPr>
+          <p:cNvPr id="5" name="Номер слайда 4">
+            <a:extLst>
+              <a:ext uri="{FF2B5EF4-FFF2-40B4-BE49-F238E27FC236}">
+                <a16:creationId xmlns:a16="http://schemas.microsoft.com/office/drawing/2014/main" id="{B500335A-F997-4457-AD82-6033EC6399CF}"/>
+              </a:ext>
+            </a:extLst>
+          </p:cNvPr>
+          <p:cNvSpPr>
+            <a:spLocks noGrp="1"/>
+          </p:cNvSpPr>
+          <p:nvPr>
+            <p:ph type="sldNum" sz="quarter" idx="12"/>
+          </p:nvPr>
+        </p:nvSpPr>
+        <p:spPr/>
+        <p:txBody>
+          <a:bodyPr/>
+          <a:lstStyle/>
+          <a:p>
+            <a:fld id="{8A94AF88-6DC9-4174-A242-5362BF603375}" type="slidenum">
+              <a:rPr lang="ru-RU" smtClean="0"/>
+              <a:t>‹#›</a:t>
+            </a:fld>
+            <a:endParaRPr lang="ru-RU"/>
+          </a:p>
+        </p:txBody>
+      </p:sp>
+    </p:spTree>
+    <p:extLst>
+      <p:ext uri="{BB962C8B-B14F-4D97-AF65-F5344CB8AC3E}">
+        <p14:creationId xmlns:p14="http://schemas.microsoft.com/office/powerpoint/2010/main" val="2388733827"/>
       </p:ext>
     </p:extLst>
   </p:cSld>
@@ -7011,7 +9766,7 @@
             <a:pPr rtl="0"/>
             <a:fld id="{7A961358-1323-4982-B48F-0004A3782D73}" type="datetime1">
               <a:rPr lang="ru-RU" noProof="0" smtClean="0"/>
-              <a:t>23.02.2025</a:t>
+              <a:t>24.02.2025</a:t>
             </a:fld>
             <a:endParaRPr lang="ru-RU" noProof="0" dirty="0"/>
           </a:p>
@@ -7471,7 +10226,7 @@
             <a:pPr rtl="0"/>
             <a:fld id="{8A4266B6-E8E7-4F04-A054-74B8F86E3EF1}" type="datetime1">
               <a:rPr lang="ru-RU" noProof="0" smtClean="0"/>
-              <a:t>23.02.2025</a:t>
+              <a:t>24.02.2025</a:t>
             </a:fld>
             <a:endParaRPr lang="ru-RU" noProof="0" dirty="0"/>
           </a:p>
@@ -8055,7 +10810,7 @@
             <a:pPr rtl="0"/>
             <a:fld id="{C77EF5D0-540D-41D6-9136-7FA831C4823F}" type="datetime1">
               <a:rPr lang="ru-RU" noProof="0" smtClean="0"/>
-              <a:t>23.02.2025</a:t>
+              <a:t>24.02.2025</a:t>
             </a:fld>
             <a:endParaRPr lang="ru-RU" noProof="0" dirty="0"/>
           </a:p>
@@ -8459,7 +11214,7 @@
             <a:pPr rtl="0"/>
             <a:fld id="{08E13BE9-C5CD-4F25-838C-97788D4410C6}" type="datetime1">
               <a:rPr lang="ru-RU" noProof="0" smtClean="0"/>
-              <a:t>23.02.2025</a:t>
+              <a:t>24.02.2025</a:t>
             </a:fld>
             <a:endParaRPr lang="ru-RU" noProof="0" dirty="0"/>
           </a:p>
@@ -8602,7 +11357,7 @@
             <a:pPr rtl="0"/>
             <a:fld id="{910EC7FF-E9B9-46A2-ABB1-6B02C8E64350}" type="datetime1">
               <a:rPr lang="ru-RU" noProof="0" smtClean="0"/>
-              <a:t>23.02.2025</a:t>
+              <a:t>24.02.2025</a:t>
             </a:fld>
             <a:endParaRPr lang="ru-RU" noProof="0" dirty="0"/>
           </a:p>
@@ -8794,7 +11549,7 @@
             <a:pPr rtl="0"/>
             <a:fld id="{FC6181B7-7F56-4175-9C58-A45071D8DE7F}" type="datetime1">
               <a:rPr lang="ru-RU" noProof="0" smtClean="0"/>
-              <a:t>23.02.2025</a:t>
+              <a:t>24.02.2025</a:t>
             </a:fld>
             <a:endParaRPr lang="ru-RU" noProof="0" dirty="0"/>
           </a:p>
@@ -9110,7 +11865,7 @@
             <a:pPr rtl="0"/>
             <a:fld id="{D9F2D1E7-3267-41E6-9552-D507126B74F6}" type="datetime1">
               <a:rPr lang="ru-RU" noProof="0" smtClean="0"/>
-              <a:t>23.02.2025</a:t>
+              <a:t>24.02.2025</a:t>
             </a:fld>
             <a:endParaRPr lang="ru-RU" noProof="0" dirty="0"/>
           </a:p>
@@ -9650,27 +12405,22 @@
   <p:extLst>
     <p:ext uri="{27BBF7A9-308A-43DC-89C8-2F10F3537804}">
       <p15:sldGuideLst xmlns:p15="http://schemas.microsoft.com/office/powerpoint/2012/main">
-        <p15:guide id="1" orient="horz" pos="187" userDrawn="1">
+        <p15:guide id="1" orient="horz" pos="255" userDrawn="1">
           <p15:clr>
             <a:srgbClr val="F26B43"/>
           </p15:clr>
         </p15:guide>
-        <p15:guide id="2" pos="688" userDrawn="1">
+        <p15:guide id="2" pos="325" userDrawn="1">
           <p15:clr>
             <a:srgbClr val="F26B43"/>
           </p15:clr>
         </p15:guide>
-        <p15:guide id="3" pos="7038" userDrawn="1">
+        <p15:guide id="3" pos="7355" userDrawn="1">
           <p15:clr>
             <a:srgbClr val="F26B43"/>
           </p15:clr>
         </p15:guide>
-        <p15:guide id="4" orient="horz" pos="3702" userDrawn="1">
-          <p15:clr>
-            <a:srgbClr val="F26B43"/>
-          </p15:clr>
-        </p15:guide>
-        <p15:guide id="5" orient="horz" pos="4065" userDrawn="1">
+        <p15:guide id="6" orient="horz" pos="4065" userDrawn="1">
           <p15:clr>
             <a:srgbClr val="F26B43"/>
           </p15:clr>
@@ -9678,6 +12428,575 @@
       </p15:sldGuideLst>
     </p:ext>
   </p:extLst>
+</p:sldMaster>
+</file>
+
+<file path=ppt/slideMasters/slideMaster2.xml><?xml version="1.0" encoding="utf-8"?>
+<p:sldMaster xmlns:a="http://schemas.openxmlformats.org/drawingml/2006/main" xmlns:r="http://schemas.openxmlformats.org/officeDocument/2006/relationships" xmlns:p="http://schemas.openxmlformats.org/presentationml/2006/main" preserve="1">
+  <p:cSld>
+    <p:bg>
+      <p:bgRef idx="1001">
+        <a:schemeClr val="bg1"/>
+      </p:bgRef>
+    </p:bg>
+    <p:spTree>
+      <p:nvGrpSpPr>
+        <p:cNvPr id="1" name=""/>
+        <p:cNvGrpSpPr/>
+        <p:nvPr/>
+      </p:nvGrpSpPr>
+      <p:grpSpPr>
+        <a:xfrm>
+          <a:off x="0" y="0"/>
+          <a:ext cx="0" cy="0"/>
+          <a:chOff x="0" y="0"/>
+          <a:chExt cx="0" cy="0"/>
+        </a:xfrm>
+      </p:grpSpPr>
+      <p:sp>
+        <p:nvSpPr>
+          <p:cNvPr id="2" name="Заголовок 1">
+            <a:extLst>
+              <a:ext uri="{FF2B5EF4-FFF2-40B4-BE49-F238E27FC236}">
+                <a16:creationId xmlns:a16="http://schemas.microsoft.com/office/drawing/2014/main" id="{56B51129-C703-48E4-BEA8-12A7B63775BF}"/>
+              </a:ext>
+            </a:extLst>
+          </p:cNvPr>
+          <p:cNvSpPr>
+            <a:spLocks noGrp="1"/>
+          </p:cNvSpPr>
+          <p:nvPr>
+            <p:ph type="title"/>
+          </p:nvPr>
+        </p:nvSpPr>
+        <p:spPr>
+          <a:xfrm>
+            <a:off x="838200" y="365125"/>
+            <a:ext cx="10515600" cy="1325563"/>
+          </a:xfrm>
+          <a:prstGeom prst="rect">
+            <a:avLst/>
+          </a:prstGeom>
+        </p:spPr>
+        <p:txBody>
+          <a:bodyPr vert="horz" lIns="91440" tIns="45720" rIns="91440" bIns="45720" rtlCol="0" anchor="ctr">
+            <a:normAutofit/>
+          </a:bodyPr>
+          <a:lstStyle/>
+          <a:p>
+            <a:r>
+              <a:rPr lang="ru-RU"/>
+              <a:t>Образец заголовка</a:t>
+            </a:r>
+          </a:p>
+        </p:txBody>
+      </p:sp>
+      <p:sp>
+        <p:nvSpPr>
+          <p:cNvPr id="3" name="Текст 2">
+            <a:extLst>
+              <a:ext uri="{FF2B5EF4-FFF2-40B4-BE49-F238E27FC236}">
+                <a16:creationId xmlns:a16="http://schemas.microsoft.com/office/drawing/2014/main" id="{633BAD01-2563-4249-AEE6-08907204884F}"/>
+              </a:ext>
+            </a:extLst>
+          </p:cNvPr>
+          <p:cNvSpPr>
+            <a:spLocks noGrp="1"/>
+          </p:cNvSpPr>
+          <p:nvPr>
+            <p:ph type="body" idx="1"/>
+          </p:nvPr>
+        </p:nvSpPr>
+        <p:spPr>
+          <a:xfrm>
+            <a:off x="838200" y="1825625"/>
+            <a:ext cx="10515600" cy="4351338"/>
+          </a:xfrm>
+          <a:prstGeom prst="rect">
+            <a:avLst/>
+          </a:prstGeom>
+        </p:spPr>
+        <p:txBody>
+          <a:bodyPr vert="horz" lIns="91440" tIns="45720" rIns="91440" bIns="45720" rtlCol="0">
+            <a:normAutofit/>
+          </a:bodyPr>
+          <a:lstStyle/>
+          <a:p>
+            <a:pPr lvl="0"/>
+            <a:r>
+              <a:rPr lang="ru-RU"/>
+              <a:t>Образец текста</a:t>
+            </a:r>
+          </a:p>
+          <a:p>
+            <a:pPr lvl="1"/>
+            <a:r>
+              <a:rPr lang="ru-RU"/>
+              <a:t>Второй уровень</a:t>
+            </a:r>
+          </a:p>
+          <a:p>
+            <a:pPr lvl="2"/>
+            <a:r>
+              <a:rPr lang="ru-RU"/>
+              <a:t>Третий уровень</a:t>
+            </a:r>
+          </a:p>
+          <a:p>
+            <a:pPr lvl="3"/>
+            <a:r>
+              <a:rPr lang="ru-RU"/>
+              <a:t>Четвертый уровень</a:t>
+            </a:r>
+          </a:p>
+          <a:p>
+            <a:pPr lvl="4"/>
+            <a:r>
+              <a:rPr lang="ru-RU"/>
+              <a:t>Пятый уровень</a:t>
+            </a:r>
+          </a:p>
+        </p:txBody>
+      </p:sp>
+      <p:sp>
+        <p:nvSpPr>
+          <p:cNvPr id="4" name="Дата 3">
+            <a:extLst>
+              <a:ext uri="{FF2B5EF4-FFF2-40B4-BE49-F238E27FC236}">
+                <a16:creationId xmlns:a16="http://schemas.microsoft.com/office/drawing/2014/main" id="{693E449C-7836-4628-ACDD-6D620B2650C3}"/>
+              </a:ext>
+            </a:extLst>
+          </p:cNvPr>
+          <p:cNvSpPr>
+            <a:spLocks noGrp="1"/>
+          </p:cNvSpPr>
+          <p:nvPr>
+            <p:ph type="dt" sz="half" idx="2"/>
+          </p:nvPr>
+        </p:nvSpPr>
+        <p:spPr>
+          <a:xfrm>
+            <a:off x="838200" y="6356350"/>
+            <a:ext cx="2743200" cy="365125"/>
+          </a:xfrm>
+          <a:prstGeom prst="rect">
+            <a:avLst/>
+          </a:prstGeom>
+        </p:spPr>
+        <p:txBody>
+          <a:bodyPr vert="horz" lIns="91440" tIns="45720" rIns="91440" bIns="45720" rtlCol="0" anchor="ctr"/>
+          <a:lstStyle>
+            <a:lvl1pPr algn="l">
+              <a:defRPr sz="1200">
+                <a:solidFill>
+                  <a:schemeClr val="tx1">
+                    <a:tint val="75000"/>
+                  </a:schemeClr>
+                </a:solidFill>
+              </a:defRPr>
+            </a:lvl1pPr>
+          </a:lstStyle>
+          <a:p>
+            <a:fld id="{D4383D7C-BCB1-48D6-9C71-3B5E2B5839F3}" type="datetimeFigureOut">
+              <a:rPr lang="ru-RU" smtClean="0"/>
+              <a:t>24.02.2025</a:t>
+            </a:fld>
+            <a:endParaRPr lang="ru-RU"/>
+          </a:p>
+        </p:txBody>
+      </p:sp>
+      <p:sp>
+        <p:nvSpPr>
+          <p:cNvPr id="5" name="Нижний колонтитул 4">
+            <a:extLst>
+              <a:ext uri="{FF2B5EF4-FFF2-40B4-BE49-F238E27FC236}">
+                <a16:creationId xmlns:a16="http://schemas.microsoft.com/office/drawing/2014/main" id="{A5DEEE94-47D1-4897-8425-820E1EA31D4C}"/>
+              </a:ext>
+            </a:extLst>
+          </p:cNvPr>
+          <p:cNvSpPr>
+            <a:spLocks noGrp="1"/>
+          </p:cNvSpPr>
+          <p:nvPr>
+            <p:ph type="ftr" sz="quarter" idx="3"/>
+          </p:nvPr>
+        </p:nvSpPr>
+        <p:spPr>
+          <a:xfrm>
+            <a:off x="4038600" y="6356350"/>
+            <a:ext cx="4114800" cy="365125"/>
+          </a:xfrm>
+          <a:prstGeom prst="rect">
+            <a:avLst/>
+          </a:prstGeom>
+        </p:spPr>
+        <p:txBody>
+          <a:bodyPr vert="horz" lIns="91440" tIns="45720" rIns="91440" bIns="45720" rtlCol="0" anchor="ctr"/>
+          <a:lstStyle>
+            <a:lvl1pPr algn="ctr">
+              <a:defRPr sz="1200">
+                <a:solidFill>
+                  <a:schemeClr val="tx1">
+                    <a:tint val="75000"/>
+                  </a:schemeClr>
+                </a:solidFill>
+              </a:defRPr>
+            </a:lvl1pPr>
+          </a:lstStyle>
+          <a:p>
+            <a:endParaRPr lang="ru-RU"/>
+          </a:p>
+        </p:txBody>
+      </p:sp>
+      <p:sp>
+        <p:nvSpPr>
+          <p:cNvPr id="6" name="Номер слайда 5">
+            <a:extLst>
+              <a:ext uri="{FF2B5EF4-FFF2-40B4-BE49-F238E27FC236}">
+                <a16:creationId xmlns:a16="http://schemas.microsoft.com/office/drawing/2014/main" id="{2B8F8561-DD1A-4FDA-8817-C2A762C78257}"/>
+              </a:ext>
+            </a:extLst>
+          </p:cNvPr>
+          <p:cNvSpPr>
+            <a:spLocks noGrp="1"/>
+          </p:cNvSpPr>
+          <p:nvPr>
+            <p:ph type="sldNum" sz="quarter" idx="4"/>
+          </p:nvPr>
+        </p:nvSpPr>
+        <p:spPr>
+          <a:xfrm>
+            <a:off x="8610600" y="6356350"/>
+            <a:ext cx="2743200" cy="365125"/>
+          </a:xfrm>
+          <a:prstGeom prst="rect">
+            <a:avLst/>
+          </a:prstGeom>
+        </p:spPr>
+        <p:txBody>
+          <a:bodyPr vert="horz" lIns="91440" tIns="45720" rIns="91440" bIns="45720" rtlCol="0" anchor="ctr"/>
+          <a:lstStyle>
+            <a:lvl1pPr algn="r">
+              <a:defRPr sz="1200">
+                <a:solidFill>
+                  <a:schemeClr val="tx1">
+                    <a:tint val="75000"/>
+                  </a:schemeClr>
+                </a:solidFill>
+              </a:defRPr>
+            </a:lvl1pPr>
+          </a:lstStyle>
+          <a:p>
+            <a:fld id="{8A94AF88-6DC9-4174-A242-5362BF603375}" type="slidenum">
+              <a:rPr lang="ru-RU" smtClean="0"/>
+              <a:t>‹#›</a:t>
+            </a:fld>
+            <a:endParaRPr lang="ru-RU"/>
+          </a:p>
+        </p:txBody>
+      </p:sp>
+    </p:spTree>
+    <p:extLst>
+      <p:ext uri="{BB962C8B-B14F-4D97-AF65-F5344CB8AC3E}">
+        <p14:creationId xmlns:p14="http://schemas.microsoft.com/office/powerpoint/2010/main" val="3981191547"/>
+      </p:ext>
+    </p:extLst>
+  </p:cSld>
+  <p:clrMap bg1="lt1" tx1="dk1" bg2="lt2" tx2="dk2" accent1="accent1" accent2="accent2" accent3="accent3" accent4="accent4" accent5="accent5" accent6="accent6" hlink="hlink" folHlink="folHlink"/>
+  <p:sldLayoutIdLst>
+    <p:sldLayoutId id="2147483729" r:id="rId1"/>
+    <p:sldLayoutId id="2147483730" r:id="rId2"/>
+    <p:sldLayoutId id="2147483731" r:id="rId3"/>
+    <p:sldLayoutId id="2147483732" r:id="rId4"/>
+    <p:sldLayoutId id="2147483733" r:id="rId5"/>
+    <p:sldLayoutId id="2147483734" r:id="rId6"/>
+    <p:sldLayoutId id="2147483735" r:id="rId7"/>
+    <p:sldLayoutId id="2147483736" r:id="rId8"/>
+    <p:sldLayoutId id="2147483737" r:id="rId9"/>
+    <p:sldLayoutId id="2147483738" r:id="rId10"/>
+    <p:sldLayoutId id="2147483739" r:id="rId11"/>
+    <p:sldLayoutId id="2147483740" r:id="rId12"/>
+  </p:sldLayoutIdLst>
+  <p:txStyles>
+    <p:titleStyle>
+      <a:lvl1pPr algn="l" defTabSz="914400" rtl="0" eaLnBrk="1" latinLnBrk="0" hangingPunct="1">
+        <a:lnSpc>
+          <a:spcPct val="90000"/>
+        </a:lnSpc>
+        <a:spcBef>
+          <a:spcPct val="0"/>
+        </a:spcBef>
+        <a:buNone/>
+        <a:defRPr sz="4400" kern="1200">
+          <a:solidFill>
+            <a:schemeClr val="tx1"/>
+          </a:solidFill>
+          <a:latin typeface="+mj-lt"/>
+          <a:ea typeface="+mj-ea"/>
+          <a:cs typeface="+mj-cs"/>
+        </a:defRPr>
+      </a:lvl1pPr>
+    </p:titleStyle>
+    <p:bodyStyle>
+      <a:lvl1pPr marL="228600" indent="-228600" algn="l" defTabSz="914400" rtl="0" eaLnBrk="1" latinLnBrk="0" hangingPunct="1">
+        <a:lnSpc>
+          <a:spcPct val="90000"/>
+        </a:lnSpc>
+        <a:spcBef>
+          <a:spcPts val="1000"/>
+        </a:spcBef>
+        <a:buFont typeface="Arial" panose="020B0604020202020204" pitchFamily="34" charset="0"/>
+        <a:buChar char="•"/>
+        <a:defRPr sz="2800" kern="1200">
+          <a:solidFill>
+            <a:schemeClr val="tx1"/>
+          </a:solidFill>
+          <a:latin typeface="+mn-lt"/>
+          <a:ea typeface="+mn-ea"/>
+          <a:cs typeface="+mn-cs"/>
+        </a:defRPr>
+      </a:lvl1pPr>
+      <a:lvl2pPr marL="685800" indent="-228600" algn="l" defTabSz="914400" rtl="0" eaLnBrk="1" latinLnBrk="0" hangingPunct="1">
+        <a:lnSpc>
+          <a:spcPct val="90000"/>
+        </a:lnSpc>
+        <a:spcBef>
+          <a:spcPts val="500"/>
+        </a:spcBef>
+        <a:buFont typeface="Arial" panose="020B0604020202020204" pitchFamily="34" charset="0"/>
+        <a:buChar char="•"/>
+        <a:defRPr sz="2400" kern="1200">
+          <a:solidFill>
+            <a:schemeClr val="tx1"/>
+          </a:solidFill>
+          <a:latin typeface="+mn-lt"/>
+          <a:ea typeface="+mn-ea"/>
+          <a:cs typeface="+mn-cs"/>
+        </a:defRPr>
+      </a:lvl2pPr>
+      <a:lvl3pPr marL="1143000" indent="-228600" algn="l" defTabSz="914400" rtl="0" eaLnBrk="1" latinLnBrk="0" hangingPunct="1">
+        <a:lnSpc>
+          <a:spcPct val="90000"/>
+        </a:lnSpc>
+        <a:spcBef>
+          <a:spcPts val="500"/>
+        </a:spcBef>
+        <a:buFont typeface="Arial" panose="020B0604020202020204" pitchFamily="34" charset="0"/>
+        <a:buChar char="•"/>
+        <a:defRPr sz="2000" kern="1200">
+          <a:solidFill>
+            <a:schemeClr val="tx1"/>
+          </a:solidFill>
+          <a:latin typeface="+mn-lt"/>
+          <a:ea typeface="+mn-ea"/>
+          <a:cs typeface="+mn-cs"/>
+        </a:defRPr>
+      </a:lvl3pPr>
+      <a:lvl4pPr marL="1600200" indent="-228600" algn="l" defTabSz="914400" rtl="0" eaLnBrk="1" latinLnBrk="0" hangingPunct="1">
+        <a:lnSpc>
+          <a:spcPct val="90000"/>
+        </a:lnSpc>
+        <a:spcBef>
+          <a:spcPts val="500"/>
+        </a:spcBef>
+        <a:buFont typeface="Arial" panose="020B0604020202020204" pitchFamily="34" charset="0"/>
+        <a:buChar char="•"/>
+        <a:defRPr sz="1800" kern="1200">
+          <a:solidFill>
+            <a:schemeClr val="tx1"/>
+          </a:solidFill>
+          <a:latin typeface="+mn-lt"/>
+          <a:ea typeface="+mn-ea"/>
+          <a:cs typeface="+mn-cs"/>
+        </a:defRPr>
+      </a:lvl4pPr>
+      <a:lvl5pPr marL="2057400" indent="-228600" algn="l" defTabSz="914400" rtl="0" eaLnBrk="1" latinLnBrk="0" hangingPunct="1">
+        <a:lnSpc>
+          <a:spcPct val="90000"/>
+        </a:lnSpc>
+        <a:spcBef>
+          <a:spcPts val="500"/>
+        </a:spcBef>
+        <a:buFont typeface="Arial" panose="020B0604020202020204" pitchFamily="34" charset="0"/>
+        <a:buChar char="•"/>
+        <a:defRPr sz="1800" kern="1200">
+          <a:solidFill>
+            <a:schemeClr val="tx1"/>
+          </a:solidFill>
+          <a:latin typeface="+mn-lt"/>
+          <a:ea typeface="+mn-ea"/>
+          <a:cs typeface="+mn-cs"/>
+        </a:defRPr>
+      </a:lvl5pPr>
+      <a:lvl6pPr marL="2514600" indent="-228600" algn="l" defTabSz="914400" rtl="0" eaLnBrk="1" latinLnBrk="0" hangingPunct="1">
+        <a:lnSpc>
+          <a:spcPct val="90000"/>
+        </a:lnSpc>
+        <a:spcBef>
+          <a:spcPts val="500"/>
+        </a:spcBef>
+        <a:buFont typeface="Arial" panose="020B0604020202020204" pitchFamily="34" charset="0"/>
+        <a:buChar char="•"/>
+        <a:defRPr sz="1800" kern="1200">
+          <a:solidFill>
+            <a:schemeClr val="tx1"/>
+          </a:solidFill>
+          <a:latin typeface="+mn-lt"/>
+          <a:ea typeface="+mn-ea"/>
+          <a:cs typeface="+mn-cs"/>
+        </a:defRPr>
+      </a:lvl6pPr>
+      <a:lvl7pPr marL="2971800" indent="-228600" algn="l" defTabSz="914400" rtl="0" eaLnBrk="1" latinLnBrk="0" hangingPunct="1">
+        <a:lnSpc>
+          <a:spcPct val="90000"/>
+        </a:lnSpc>
+        <a:spcBef>
+          <a:spcPts val="500"/>
+        </a:spcBef>
+        <a:buFont typeface="Arial" panose="020B0604020202020204" pitchFamily="34" charset="0"/>
+        <a:buChar char="•"/>
+        <a:defRPr sz="1800" kern="1200">
+          <a:solidFill>
+            <a:schemeClr val="tx1"/>
+          </a:solidFill>
+          <a:latin typeface="+mn-lt"/>
+          <a:ea typeface="+mn-ea"/>
+          <a:cs typeface="+mn-cs"/>
+        </a:defRPr>
+      </a:lvl7pPr>
+      <a:lvl8pPr marL="3429000" indent="-228600" algn="l" defTabSz="914400" rtl="0" eaLnBrk="1" latinLnBrk="0" hangingPunct="1">
+        <a:lnSpc>
+          <a:spcPct val="90000"/>
+        </a:lnSpc>
+        <a:spcBef>
+          <a:spcPts val="500"/>
+        </a:spcBef>
+        <a:buFont typeface="Arial" panose="020B0604020202020204" pitchFamily="34" charset="0"/>
+        <a:buChar char="•"/>
+        <a:defRPr sz="1800" kern="1200">
+          <a:solidFill>
+            <a:schemeClr val="tx1"/>
+          </a:solidFill>
+          <a:latin typeface="+mn-lt"/>
+          <a:ea typeface="+mn-ea"/>
+          <a:cs typeface="+mn-cs"/>
+        </a:defRPr>
+      </a:lvl8pPr>
+      <a:lvl9pPr marL="3886200" indent="-228600" algn="l" defTabSz="914400" rtl="0" eaLnBrk="1" latinLnBrk="0" hangingPunct="1">
+        <a:lnSpc>
+          <a:spcPct val="90000"/>
+        </a:lnSpc>
+        <a:spcBef>
+          <a:spcPts val="500"/>
+        </a:spcBef>
+        <a:buFont typeface="Arial" panose="020B0604020202020204" pitchFamily="34" charset="0"/>
+        <a:buChar char="•"/>
+        <a:defRPr sz="1800" kern="1200">
+          <a:solidFill>
+            <a:schemeClr val="tx1"/>
+          </a:solidFill>
+          <a:latin typeface="+mn-lt"/>
+          <a:ea typeface="+mn-ea"/>
+          <a:cs typeface="+mn-cs"/>
+        </a:defRPr>
+      </a:lvl9pPr>
+    </p:bodyStyle>
+    <p:otherStyle>
+      <a:defPPr>
+        <a:defRPr lang="ru-RU"/>
+      </a:defPPr>
+      <a:lvl1pPr marL="0" algn="l" defTabSz="914400" rtl="0" eaLnBrk="1" latinLnBrk="0" hangingPunct="1">
+        <a:defRPr sz="1800" kern="1200">
+          <a:solidFill>
+            <a:schemeClr val="tx1"/>
+          </a:solidFill>
+          <a:latin typeface="+mn-lt"/>
+          <a:ea typeface="+mn-ea"/>
+          <a:cs typeface="+mn-cs"/>
+        </a:defRPr>
+      </a:lvl1pPr>
+      <a:lvl2pPr marL="457200" algn="l" defTabSz="914400" rtl="0" eaLnBrk="1" latinLnBrk="0" hangingPunct="1">
+        <a:defRPr sz="1800" kern="1200">
+          <a:solidFill>
+            <a:schemeClr val="tx1"/>
+          </a:solidFill>
+          <a:latin typeface="+mn-lt"/>
+          <a:ea typeface="+mn-ea"/>
+          <a:cs typeface="+mn-cs"/>
+        </a:defRPr>
+      </a:lvl2pPr>
+      <a:lvl3pPr marL="914400" algn="l" defTabSz="914400" rtl="0" eaLnBrk="1" latinLnBrk="0" hangingPunct="1">
+        <a:defRPr sz="1800" kern="1200">
+          <a:solidFill>
+            <a:schemeClr val="tx1"/>
+          </a:solidFill>
+          <a:latin typeface="+mn-lt"/>
+          <a:ea typeface="+mn-ea"/>
+          <a:cs typeface="+mn-cs"/>
+        </a:defRPr>
+      </a:lvl3pPr>
+      <a:lvl4pPr marL="1371600" algn="l" defTabSz="914400" rtl="0" eaLnBrk="1" latinLnBrk="0" hangingPunct="1">
+        <a:defRPr sz="1800" kern="1200">
+          <a:solidFill>
+            <a:schemeClr val="tx1"/>
+          </a:solidFill>
+          <a:latin typeface="+mn-lt"/>
+          <a:ea typeface="+mn-ea"/>
+          <a:cs typeface="+mn-cs"/>
+        </a:defRPr>
+      </a:lvl4pPr>
+      <a:lvl5pPr marL="1828800" algn="l" defTabSz="914400" rtl="0" eaLnBrk="1" latinLnBrk="0" hangingPunct="1">
+        <a:defRPr sz="1800" kern="1200">
+          <a:solidFill>
+            <a:schemeClr val="tx1"/>
+          </a:solidFill>
+          <a:latin typeface="+mn-lt"/>
+          <a:ea typeface="+mn-ea"/>
+          <a:cs typeface="+mn-cs"/>
+        </a:defRPr>
+      </a:lvl5pPr>
+      <a:lvl6pPr marL="2286000" algn="l" defTabSz="914400" rtl="0" eaLnBrk="1" latinLnBrk="0" hangingPunct="1">
+        <a:defRPr sz="1800" kern="1200">
+          <a:solidFill>
+            <a:schemeClr val="tx1"/>
+          </a:solidFill>
+          <a:latin typeface="+mn-lt"/>
+          <a:ea typeface="+mn-ea"/>
+          <a:cs typeface="+mn-cs"/>
+        </a:defRPr>
+      </a:lvl6pPr>
+      <a:lvl7pPr marL="2743200" algn="l" defTabSz="914400" rtl="0" eaLnBrk="1" latinLnBrk="0" hangingPunct="1">
+        <a:defRPr sz="1800" kern="1200">
+          <a:solidFill>
+            <a:schemeClr val="tx1"/>
+          </a:solidFill>
+          <a:latin typeface="+mn-lt"/>
+          <a:ea typeface="+mn-ea"/>
+          <a:cs typeface="+mn-cs"/>
+        </a:defRPr>
+      </a:lvl7pPr>
+      <a:lvl8pPr marL="3200400" algn="l" defTabSz="914400" rtl="0" eaLnBrk="1" latinLnBrk="0" hangingPunct="1">
+        <a:defRPr sz="1800" kern="1200">
+          <a:solidFill>
+            <a:schemeClr val="tx1"/>
+          </a:solidFill>
+          <a:latin typeface="+mn-lt"/>
+          <a:ea typeface="+mn-ea"/>
+          <a:cs typeface="+mn-cs"/>
+        </a:defRPr>
+      </a:lvl8pPr>
+      <a:lvl9pPr marL="3657600" algn="l" defTabSz="914400" rtl="0" eaLnBrk="1" latinLnBrk="0" hangingPunct="1">
+        <a:defRPr sz="1800" kern="1200">
+          <a:solidFill>
+            <a:schemeClr val="tx1"/>
+          </a:solidFill>
+          <a:latin typeface="+mn-lt"/>
+          <a:ea typeface="+mn-ea"/>
+          <a:cs typeface="+mn-cs"/>
+        </a:defRPr>
+      </a:lvl9pPr>
+    </p:otherStyle>
+  </p:txStyles>
 </p:sldMaster>
 </file>
 
@@ -9723,13 +13042,13 @@
               </a:ext>
             </a:extLst>
           </a:blip>
-          <a:srcRect/>
+          <a:srcRect l="5365" r="8921"/>
           <a:stretch/>
         </p:blipFill>
         <p:spPr>
           <a:xfrm>
             <a:off x="0" y="0"/>
-            <a:ext cx="6311900" cy="6858000"/>
+            <a:ext cx="5410200" cy="6858000"/>
           </a:xfrm>
         </p:spPr>
       </p:pic>
@@ -9754,12 +13073,14 @@
         </p:nvSpPr>
         <p:spPr>
           <a:xfrm>
-            <a:off x="6629399" y="758952"/>
-            <a:ext cx="4719415" cy="3227514"/>
+            <a:off x="6606539" y="251050"/>
+            <a:ext cx="4719415" cy="1661993"/>
           </a:xfrm>
         </p:spPr>
         <p:txBody>
-          <a:bodyPr rtlCol="0"/>
+          <a:bodyPr lIns="0" tIns="0" rIns="0" bIns="0" rtlCol="0">
+            <a:spAutoFit/>
+          </a:bodyPr>
           <a:lstStyle/>
           <a:p>
             <a:pPr rtl="0"/>
@@ -9793,9 +13114,16 @@
             <p:ph type="subTitle" idx="1"/>
           </p:nvPr>
         </p:nvSpPr>
-        <p:spPr/>
-        <p:txBody>
-          <a:bodyPr rtlCol="0"/>
+        <p:spPr>
+          <a:xfrm>
+            <a:off x="6609311" y="5623903"/>
+            <a:ext cx="4526280" cy="918200"/>
+          </a:xfrm>
+        </p:spPr>
+        <p:txBody>
+          <a:bodyPr lIns="0" tIns="0" rIns="0" bIns="0" rtlCol="0">
+            <a:spAutoFit/>
+          </a:bodyPr>
           <a:lstStyle/>
           <a:p>
             <a:pPr rtl="0"/>
@@ -14479,9 +17807,9 @@
 </file>
 
 <file path=ppt/theme/theme2.xml><?xml version="1.0" encoding="utf-8"?>
-<a:theme xmlns:a="http://schemas.openxmlformats.org/drawingml/2006/main" name="Тема Office">
+<a:theme xmlns:a="http://schemas.openxmlformats.org/drawingml/2006/main" name="Специальное оформление">
   <a:themeElements>
-    <a:clrScheme name="Office">
+    <a:clrScheme name="Стандартная">
       <a:dk1>
         <a:sysClr val="windowText" lastClr="000000"/>
       </a:dk1>
@@ -14519,7 +17847,7 @@
         <a:srgbClr val="954F72"/>
       </a:folHlink>
     </a:clrScheme>
-    <a:fontScheme name="Office">
+    <a:fontScheme name="Стандартная">
       <a:majorFont>
         <a:latin typeface="Calibri Light" panose="020F0302020204030204"/>
         <a:ea typeface=""/>
@@ -14625,7 +17953,7 @@
         <a:font script="Tfng" typeface="Ebrima"/>
       </a:minorFont>
     </a:fontScheme>
-    <a:fmtScheme name="Office">
+    <a:fmtScheme name="Стандартная">
       <a:fillStyleLst>
         <a:solidFill>
           <a:schemeClr val="phClr"/>
@@ -15068,13 +18396,308 @@
 </a:theme>
 </file>
 
+<file path=ppt/theme/theme4.xml><?xml version="1.0" encoding="utf-8"?>
+<a:theme xmlns:a="http://schemas.openxmlformats.org/drawingml/2006/main" name="Тема Office">
+  <a:themeElements>
+    <a:clrScheme name="Office">
+      <a:dk1>
+        <a:sysClr val="windowText" lastClr="000000"/>
+      </a:dk1>
+      <a:lt1>
+        <a:sysClr val="window" lastClr="FFFFFF"/>
+      </a:lt1>
+      <a:dk2>
+        <a:srgbClr val="44546A"/>
+      </a:dk2>
+      <a:lt2>
+        <a:srgbClr val="E7E6E6"/>
+      </a:lt2>
+      <a:accent1>
+        <a:srgbClr val="4472C4"/>
+      </a:accent1>
+      <a:accent2>
+        <a:srgbClr val="ED7D31"/>
+      </a:accent2>
+      <a:accent3>
+        <a:srgbClr val="A5A5A5"/>
+      </a:accent3>
+      <a:accent4>
+        <a:srgbClr val="FFC000"/>
+      </a:accent4>
+      <a:accent5>
+        <a:srgbClr val="5B9BD5"/>
+      </a:accent5>
+      <a:accent6>
+        <a:srgbClr val="70AD47"/>
+      </a:accent6>
+      <a:hlink>
+        <a:srgbClr val="0563C1"/>
+      </a:hlink>
+      <a:folHlink>
+        <a:srgbClr val="954F72"/>
+      </a:folHlink>
+    </a:clrScheme>
+    <a:fontScheme name="Office">
+      <a:majorFont>
+        <a:latin typeface="Calibri Light" panose="020F0302020204030204"/>
+        <a:ea typeface=""/>
+        <a:cs typeface=""/>
+        <a:font script="Jpan" typeface="游ゴシック Light"/>
+        <a:font script="Hang" typeface="맑은 고딕"/>
+        <a:font script="Hans" typeface="等线 Light"/>
+        <a:font script="Hant" typeface="新細明體"/>
+        <a:font script="Arab" typeface="Times New Roman"/>
+        <a:font script="Hebr" typeface="Times New Roman"/>
+        <a:font script="Thai" typeface="Angsana New"/>
+        <a:font script="Ethi" typeface="Nyala"/>
+        <a:font script="Beng" typeface="Vrinda"/>
+        <a:font script="Gujr" typeface="Shruti"/>
+        <a:font script="Khmr" typeface="MoolBoran"/>
+        <a:font script="Knda" typeface="Tunga"/>
+        <a:font script="Guru" typeface="Raavi"/>
+        <a:font script="Cans" typeface="Euphemia"/>
+        <a:font script="Cher" typeface="Plantagenet Cherokee"/>
+        <a:font script="Yiii" typeface="Microsoft Yi Baiti"/>
+        <a:font script="Tibt" typeface="Microsoft Himalaya"/>
+        <a:font script="Thaa" typeface="MV Boli"/>
+        <a:font script="Deva" typeface="Mangal"/>
+        <a:font script="Telu" typeface="Gautami"/>
+        <a:font script="Taml" typeface="Latha"/>
+        <a:font script="Syrc" typeface="Estrangelo Edessa"/>
+        <a:font script="Orya" typeface="Kalinga"/>
+        <a:font script="Mlym" typeface="Kartika"/>
+        <a:font script="Laoo" typeface="DokChampa"/>
+        <a:font script="Sinh" typeface="Iskoola Pota"/>
+        <a:font script="Mong" typeface="Mongolian Baiti"/>
+        <a:font script="Viet" typeface="Times New Roman"/>
+        <a:font script="Uigh" typeface="Microsoft Uighur"/>
+        <a:font script="Geor" typeface="Sylfaen"/>
+        <a:font script="Armn" typeface="Arial"/>
+        <a:font script="Bugi" typeface="Leelawadee UI"/>
+        <a:font script="Bopo" typeface="Microsoft JhengHei"/>
+        <a:font script="Java" typeface="Javanese Text"/>
+        <a:font script="Lisu" typeface="Segoe UI"/>
+        <a:font script="Mymr" typeface="Myanmar Text"/>
+        <a:font script="Nkoo" typeface="Ebrima"/>
+        <a:font script="Olck" typeface="Nirmala UI"/>
+        <a:font script="Osma" typeface="Ebrima"/>
+        <a:font script="Phag" typeface="Phagspa"/>
+        <a:font script="Syrn" typeface="Estrangelo Edessa"/>
+        <a:font script="Syrj" typeface="Estrangelo Edessa"/>
+        <a:font script="Syre" typeface="Estrangelo Edessa"/>
+        <a:font script="Sora" typeface="Nirmala UI"/>
+        <a:font script="Tale" typeface="Microsoft Tai Le"/>
+        <a:font script="Talu" typeface="Microsoft New Tai Lue"/>
+        <a:font script="Tfng" typeface="Ebrima"/>
+      </a:majorFont>
+      <a:minorFont>
+        <a:latin typeface="Calibri" panose="020F0502020204030204"/>
+        <a:ea typeface=""/>
+        <a:cs typeface=""/>
+        <a:font script="Jpan" typeface="游ゴシック"/>
+        <a:font script="Hang" typeface="맑은 고딕"/>
+        <a:font script="Hans" typeface="等线"/>
+        <a:font script="Hant" typeface="新細明體"/>
+        <a:font script="Arab" typeface="Arial"/>
+        <a:font script="Hebr" typeface="Arial"/>
+        <a:font script="Thai" typeface="Cordia New"/>
+        <a:font script="Ethi" typeface="Nyala"/>
+        <a:font script="Beng" typeface="Vrinda"/>
+        <a:font script="Gujr" typeface="Shruti"/>
+        <a:font script="Khmr" typeface="DaunPenh"/>
+        <a:font script="Knda" typeface="Tunga"/>
+        <a:font script="Guru" typeface="Raavi"/>
+        <a:font script="Cans" typeface="Euphemia"/>
+        <a:font script="Cher" typeface="Plantagenet Cherokee"/>
+        <a:font script="Yiii" typeface="Microsoft Yi Baiti"/>
+        <a:font script="Tibt" typeface="Microsoft Himalaya"/>
+        <a:font script="Thaa" typeface="MV Boli"/>
+        <a:font script="Deva" typeface="Mangal"/>
+        <a:font script="Telu" typeface="Gautami"/>
+        <a:font script="Taml" typeface="Latha"/>
+        <a:font script="Syrc" typeface="Estrangelo Edessa"/>
+        <a:font script="Orya" typeface="Kalinga"/>
+        <a:font script="Mlym" typeface="Kartika"/>
+        <a:font script="Laoo" typeface="DokChampa"/>
+        <a:font script="Sinh" typeface="Iskoola Pota"/>
+        <a:font script="Mong" typeface="Mongolian Baiti"/>
+        <a:font script="Viet" typeface="Arial"/>
+        <a:font script="Uigh" typeface="Microsoft Uighur"/>
+        <a:font script="Geor" typeface="Sylfaen"/>
+        <a:font script="Armn" typeface="Arial"/>
+        <a:font script="Bugi" typeface="Leelawadee UI"/>
+        <a:font script="Bopo" typeface="Microsoft JhengHei"/>
+        <a:font script="Java" typeface="Javanese Text"/>
+        <a:font script="Lisu" typeface="Segoe UI"/>
+        <a:font script="Mymr" typeface="Myanmar Text"/>
+        <a:font script="Nkoo" typeface="Ebrima"/>
+        <a:font script="Olck" typeface="Nirmala UI"/>
+        <a:font script="Osma" typeface="Ebrima"/>
+        <a:font script="Phag" typeface="Phagspa"/>
+        <a:font script="Syrn" typeface="Estrangelo Edessa"/>
+        <a:font script="Syrj" typeface="Estrangelo Edessa"/>
+        <a:font script="Syre" typeface="Estrangelo Edessa"/>
+        <a:font script="Sora" typeface="Nirmala UI"/>
+        <a:font script="Tale" typeface="Microsoft Tai Le"/>
+        <a:font script="Talu" typeface="Microsoft New Tai Lue"/>
+        <a:font script="Tfng" typeface="Ebrima"/>
+      </a:minorFont>
+    </a:fontScheme>
+    <a:fmtScheme name="Office">
+      <a:fillStyleLst>
+        <a:solidFill>
+          <a:schemeClr val="phClr"/>
+        </a:solidFill>
+        <a:gradFill rotWithShape="1">
+          <a:gsLst>
+            <a:gs pos="0">
+              <a:schemeClr val="phClr">
+                <a:lumMod val="110000"/>
+                <a:satMod val="105000"/>
+                <a:tint val="67000"/>
+              </a:schemeClr>
+            </a:gs>
+            <a:gs pos="50000">
+              <a:schemeClr val="phClr">
+                <a:lumMod val="105000"/>
+                <a:satMod val="103000"/>
+                <a:tint val="73000"/>
+              </a:schemeClr>
+            </a:gs>
+            <a:gs pos="100000">
+              <a:schemeClr val="phClr">
+                <a:lumMod val="105000"/>
+                <a:satMod val="109000"/>
+                <a:tint val="81000"/>
+              </a:schemeClr>
+            </a:gs>
+          </a:gsLst>
+          <a:lin ang="5400000" scaled="0"/>
+        </a:gradFill>
+        <a:gradFill rotWithShape="1">
+          <a:gsLst>
+            <a:gs pos="0">
+              <a:schemeClr val="phClr">
+                <a:satMod val="103000"/>
+                <a:lumMod val="102000"/>
+                <a:tint val="94000"/>
+              </a:schemeClr>
+            </a:gs>
+            <a:gs pos="50000">
+              <a:schemeClr val="phClr">
+                <a:satMod val="110000"/>
+                <a:lumMod val="100000"/>
+                <a:shade val="100000"/>
+              </a:schemeClr>
+            </a:gs>
+            <a:gs pos="100000">
+              <a:schemeClr val="phClr">
+                <a:lumMod val="99000"/>
+                <a:satMod val="120000"/>
+                <a:shade val="78000"/>
+              </a:schemeClr>
+            </a:gs>
+          </a:gsLst>
+          <a:lin ang="5400000" scaled="0"/>
+        </a:gradFill>
+      </a:fillStyleLst>
+      <a:lnStyleLst>
+        <a:ln w="6350" cap="flat" cmpd="sng" algn="ctr">
+          <a:solidFill>
+            <a:schemeClr val="phClr"/>
+          </a:solidFill>
+          <a:prstDash val="solid"/>
+          <a:miter lim="800000"/>
+        </a:ln>
+        <a:ln w="12700" cap="flat" cmpd="sng" algn="ctr">
+          <a:solidFill>
+            <a:schemeClr val="phClr"/>
+          </a:solidFill>
+          <a:prstDash val="solid"/>
+          <a:miter lim="800000"/>
+        </a:ln>
+        <a:ln w="19050" cap="flat" cmpd="sng" algn="ctr">
+          <a:solidFill>
+            <a:schemeClr val="phClr"/>
+          </a:solidFill>
+          <a:prstDash val="solid"/>
+          <a:miter lim="800000"/>
+        </a:ln>
+      </a:lnStyleLst>
+      <a:effectStyleLst>
+        <a:effectStyle>
+          <a:effectLst/>
+        </a:effectStyle>
+        <a:effectStyle>
+          <a:effectLst/>
+        </a:effectStyle>
+        <a:effectStyle>
+          <a:effectLst>
+            <a:outerShdw blurRad="57150" dist="19050" dir="5400000" algn="ctr" rotWithShape="0">
+              <a:srgbClr val="000000">
+                <a:alpha val="63000"/>
+              </a:srgbClr>
+            </a:outerShdw>
+          </a:effectLst>
+        </a:effectStyle>
+      </a:effectStyleLst>
+      <a:bgFillStyleLst>
+        <a:solidFill>
+          <a:schemeClr val="phClr"/>
+        </a:solidFill>
+        <a:solidFill>
+          <a:schemeClr val="phClr">
+            <a:tint val="95000"/>
+            <a:satMod val="170000"/>
+          </a:schemeClr>
+        </a:solidFill>
+        <a:gradFill rotWithShape="1">
+          <a:gsLst>
+            <a:gs pos="0">
+              <a:schemeClr val="phClr">
+                <a:tint val="93000"/>
+                <a:satMod val="150000"/>
+                <a:shade val="98000"/>
+                <a:lumMod val="102000"/>
+              </a:schemeClr>
+            </a:gs>
+            <a:gs pos="50000">
+              <a:schemeClr val="phClr">
+                <a:tint val="98000"/>
+                <a:satMod val="130000"/>
+                <a:shade val="90000"/>
+                <a:lumMod val="103000"/>
+              </a:schemeClr>
+            </a:gs>
+            <a:gs pos="100000">
+              <a:schemeClr val="phClr">
+                <a:shade val="63000"/>
+                <a:satMod val="120000"/>
+              </a:schemeClr>
+            </a:gs>
+          </a:gsLst>
+          <a:lin ang="5400000" scaled="0"/>
+        </a:gradFill>
+      </a:bgFillStyleLst>
+    </a:fmtScheme>
+  </a:themeElements>
+  <a:objectDefaults/>
+  <a:extraClrSchemeLst/>
+  <a:extLst>
+    <a:ext uri="{05A4C25C-085E-4340-85A3-A5531E510DB2}">
+      <thm15:themeFamily xmlns:thm15="http://schemas.microsoft.com/office/thememl/2012/main" name="Office Theme" id="{62F939B6-93AF-4DB8-9C6B-D6C7DFDC589F}" vid="{4A3C46E8-61CC-4603-A589-7422A47A8E4A}"/>
+    </a:ext>
+  </a:extLst>
+</a:theme>
+</file>
+
 <file path=customXml/item1.xml><?xml version="1.0" encoding="utf-8"?>
-<?mso-contentType ?>
-<FormTemplates xmlns="http://schemas.microsoft.com/sharepoint/v3/contenttype/forms">
-  <Display>DocumentLibraryForm</Display>
-  <Edit>DocumentLibraryForm</Edit>
-  <New>DocumentLibraryForm</New>
-</FormTemplates>
+<p:properties xmlns:p="http://schemas.microsoft.com/office/2006/metadata/properties" xmlns:xsi="http://www.w3.org/2001/XMLSchema-instance" xmlns:pc="http://schemas.microsoft.com/office/infopath/2007/PartnerControls">
+  <documentManagement>
+    <Status xmlns="71af3243-3dd4-4a8d-8c0d-dd76da1f02a5">Not started</Status>
+    <MediaServiceKeyPoints xmlns="71af3243-3dd4-4a8d-8c0d-dd76da1f02a5" xsi:nil="true"/>
+  </documentManagement>
+</p:properties>
 </file>
 
 <file path=customXml/item2.xml><?xml version="1.0" encoding="utf-8"?>
@@ -15299,18 +18922,20 @@
 </file>
 
 <file path=customXml/item3.xml><?xml version="1.0" encoding="utf-8"?>
-<p:properties xmlns:p="http://schemas.microsoft.com/office/2006/metadata/properties" xmlns:xsi="http://www.w3.org/2001/XMLSchema-instance" xmlns:pc="http://schemas.microsoft.com/office/infopath/2007/PartnerControls">
-  <documentManagement>
-    <Status xmlns="71af3243-3dd4-4a8d-8c0d-dd76da1f02a5">Not started</Status>
-    <MediaServiceKeyPoints xmlns="71af3243-3dd4-4a8d-8c0d-dd76da1f02a5" xsi:nil="true"/>
-  </documentManagement>
-</p:properties>
+<?mso-contentType ?>
+<FormTemplates xmlns="http://schemas.microsoft.com/sharepoint/v3/contenttype/forms">
+  <Display>DocumentLibraryForm</Display>
+  <Edit>DocumentLibraryForm</Edit>
+  <New>DocumentLibraryForm</New>
+</FormTemplates>
 </file>
 
 <file path=customXml/itemProps1.xml><?xml version="1.0" encoding="utf-8"?>
-<ds:datastoreItem xmlns:ds="http://schemas.openxmlformats.org/officeDocument/2006/customXml" ds:itemID="{7E0A2CB4-6869-426F-8BC4-A32C90CBE263}">
+<ds:datastoreItem xmlns:ds="http://schemas.openxmlformats.org/officeDocument/2006/customXml" ds:itemID="{A4E879E6-8FFE-4154-8F2A-F7518B89B376}">
   <ds:schemaRefs>
-    <ds:schemaRef ds:uri="http://schemas.microsoft.com/sharepoint/v3/contenttype/forms"/>
+    <ds:schemaRef ds:uri="http://schemas.microsoft.com/office/2006/metadata/properties"/>
+    <ds:schemaRef ds:uri="http://schemas.microsoft.com/office/infopath/2007/PartnerControls"/>
+    <ds:schemaRef ds:uri="71af3243-3dd4-4a8d-8c0d-dd76da1f02a5"/>
   </ds:schemaRefs>
 </ds:datastoreItem>
 </file>
@@ -15335,11 +18960,9 @@
 </file>
 
 <file path=customXml/itemProps3.xml><?xml version="1.0" encoding="utf-8"?>
-<ds:datastoreItem xmlns:ds="http://schemas.openxmlformats.org/officeDocument/2006/customXml" ds:itemID="{A4E879E6-8FFE-4154-8F2A-F7518B89B376}">
+<ds:datastoreItem xmlns:ds="http://schemas.openxmlformats.org/officeDocument/2006/customXml" ds:itemID="{7E0A2CB4-6869-426F-8BC4-A32C90CBE263}">
   <ds:schemaRefs>
-    <ds:schemaRef ds:uri="http://schemas.microsoft.com/office/2006/metadata/properties"/>
-    <ds:schemaRef ds:uri="http://schemas.microsoft.com/office/infopath/2007/PartnerControls"/>
-    <ds:schemaRef ds:uri="71af3243-3dd4-4a8d-8c0d-dd76da1f02a5"/>
+    <ds:schemaRef ds:uri="http://schemas.microsoft.com/sharepoint/v3/contenttype/forms"/>
   </ds:schemaRefs>
 </ds:datastoreItem>
 </file>
--- a/Предприятие ООО.pptx
+++ b/Предприятие ООО.pptx
@@ -227,7 +227,7 @@
             <a:pPr rtl="0"/>
             <a:fld id="{066A90C3-6D70-4CC0-90BD-7391CC100288}" type="datetime1">
               <a:rPr lang="ru-RU" smtClean="0"/>
-              <a:t>24.02.2025</a:t>
+              <a:t>27.02.2025</a:t>
             </a:fld>
             <a:endParaRPr lang="ru-RU" dirty="0"/>
           </a:p>
@@ -408,7 +408,7 @@
             <a:fld id="{3B37CB3F-843C-4E4F-85F3-0CD250415562}" type="datetime1">
               <a:rPr lang="ru-RU" smtClean="0"/>
               <a:pPr/>
-              <a:t>24.02.2025</a:t>
+              <a:t>27.02.2025</a:t>
             </a:fld>
             <a:endParaRPr lang="ru-RU" dirty="0"/>
           </a:p>
@@ -1614,7 +1614,7 @@
             <a:pPr rtl="0"/>
             <a:fld id="{64F0A853-421F-499A-8F2C-A30F50FFCB8A}" type="datetime1">
               <a:rPr lang="ru-RU" noProof="0" smtClean="0"/>
-              <a:t>24.02.2025</a:t>
+              <a:t>27.02.2025</a:t>
             </a:fld>
             <a:endParaRPr lang="ru-RU" noProof="0" dirty="0"/>
           </a:p>
@@ -2242,7 +2242,7 @@
             <a:pPr rtl="0"/>
             <a:fld id="{63144760-2842-4F87-B160-D6308138EEE4}" type="datetime1">
               <a:rPr lang="ru-RU" noProof="0" smtClean="0"/>
-              <a:t>24.02.2025</a:t>
+              <a:t>27.02.2025</a:t>
             </a:fld>
             <a:endParaRPr lang="ru-RU" noProof="0" dirty="0"/>
           </a:p>
@@ -2599,7 +2599,7 @@
             <a:pPr rtl="0"/>
             <a:fld id="{0B24F2B1-4382-4CD5-BF36-A76F658DDF8B}" type="datetime1">
               <a:rPr lang="ru-RU" noProof="0" smtClean="0"/>
-              <a:t>24.02.2025</a:t>
+              <a:t>27.02.2025</a:t>
             </a:fld>
             <a:endParaRPr lang="ru-RU" noProof="0" dirty="0"/>
           </a:p>
@@ -2998,7 +2998,7 @@
             <a:pPr rtl="0"/>
             <a:fld id="{5CBCE005-CF70-47C7-943B-1B85D4E30B12}" type="datetime1">
               <a:rPr lang="ru-RU" noProof="0" smtClean="0"/>
-              <a:t>24.02.2025</a:t>
+              <a:t>27.02.2025</a:t>
             </a:fld>
             <a:endParaRPr lang="ru-RU" noProof="0" dirty="0"/>
           </a:p>
@@ -3481,7 +3481,7 @@
             <a:pPr rtl="0"/>
             <a:fld id="{7232E15A-CF9A-465D-A43B-0E134366459B}" type="datetime1">
               <a:rPr lang="ru-RU" noProof="0" smtClean="0"/>
-              <a:t>24.02.2025</a:t>
+              <a:t>27.02.2025</a:t>
             </a:fld>
             <a:endParaRPr lang="ru-RU" noProof="0" dirty="0"/>
           </a:p>
@@ -3872,7 +3872,7 @@
             <a:pPr rtl="0"/>
             <a:fld id="{56B3F4C8-7A25-444D-91C8-2271B0544136}" type="datetime1">
               <a:rPr lang="ru-RU" noProof="0" smtClean="0"/>
-              <a:t>24.02.2025</a:t>
+              <a:t>27.02.2025</a:t>
             </a:fld>
             <a:endParaRPr lang="ru-RU" noProof="0" dirty="0"/>
           </a:p>
@@ -4240,7 +4240,7 @@
             <a:pPr rtl="0"/>
             <a:fld id="{26F1E128-3D17-4B8C-8CB3-9EB08D9C14A6}" type="datetime1">
               <a:rPr lang="ru-RU" noProof="0" smtClean="0"/>
-              <a:t>24.02.2025</a:t>
+              <a:t>27.02.2025</a:t>
             </a:fld>
             <a:endParaRPr lang="ru-RU" noProof="0" dirty="0"/>
           </a:p>
@@ -4733,7 +4733,7 @@
             <a:pPr rtl="0"/>
             <a:fld id="{331CEDC5-4545-46C4-8C01-50930980F9C3}" type="datetime1">
               <a:rPr lang="ru-RU" noProof="0" smtClean="0"/>
-              <a:t>24.02.2025</a:t>
+              <a:t>27.02.2025</a:t>
             </a:fld>
             <a:endParaRPr lang="ru-RU" noProof="0" dirty="0"/>
           </a:p>
@@ -5233,7 +5233,7 @@
             <a:pPr rtl="0"/>
             <a:fld id="{01750109-67ED-4BB9-A441-1C74886B4944}" type="datetime1">
               <a:rPr lang="ru-RU" noProof="0" smtClean="0"/>
-              <a:t>24.02.2025</a:t>
+              <a:t>27.02.2025</a:t>
             </a:fld>
             <a:endParaRPr lang="ru-RU" noProof="0" dirty="0"/>
           </a:p>
@@ -5670,7 +5670,7 @@
             <a:pPr rtl="0"/>
             <a:fld id="{B0F981BA-4C3A-4604-A431-6A18CA52E143}" type="datetime1">
               <a:rPr lang="ru-RU" noProof="0" smtClean="0"/>
-              <a:t>24.02.2025</a:t>
+              <a:t>27.02.2025</a:t>
             </a:fld>
             <a:endParaRPr lang="ru-RU" noProof="0" dirty="0"/>
           </a:p>
@@ -5927,7 +5927,7 @@
             <a:pPr rtl="0"/>
             <a:fld id="{C74A5B61-B2AB-48DF-B122-84C1DD627AD8}" type="datetime1">
               <a:rPr lang="ru-RU" noProof="0" smtClean="0"/>
-              <a:t>24.02.2025</a:t>
+              <a:t>27.02.2025</a:t>
             </a:fld>
             <a:endParaRPr lang="ru-RU" noProof="0" dirty="0"/>
           </a:p>
@@ -6108,7 +6108,7 @@
             <a:pPr rtl="0"/>
             <a:fld id="{1128F629-0A04-47CB-9FC5-F24EBCAF694D}" type="datetime1">
               <a:rPr lang="ru-RU" noProof="0" smtClean="0"/>
-              <a:t>24.02.2025</a:t>
+              <a:t>27.02.2025</a:t>
             </a:fld>
             <a:endParaRPr lang="ru-RU" noProof="0" dirty="0"/>
           </a:p>
@@ -6552,7 +6552,7 @@
             <a:pPr rtl="0"/>
             <a:fld id="{2B2BCE6D-20D5-4AE9-A17E-E68A25EDB90D}" type="datetime1">
               <a:rPr lang="ru-RU" noProof="0" smtClean="0"/>
-              <a:t>24.02.2025</a:t>
+              <a:t>27.02.2025</a:t>
             </a:fld>
             <a:endParaRPr lang="ru-RU" noProof="0" dirty="0"/>
           </a:p>
@@ -6826,7 +6826,7 @@
           <a:p>
             <a:fld id="{D4383D7C-BCB1-48D6-9C71-3B5E2B5839F3}" type="datetimeFigureOut">
               <a:rPr lang="ru-RU" smtClean="0"/>
-              <a:t>24.02.2025</a:t>
+              <a:t>27.02.2025</a:t>
             </a:fld>
             <a:endParaRPr lang="ru-RU"/>
           </a:p>
@@ -7024,7 +7024,7 @@
           <a:p>
             <a:fld id="{D4383D7C-BCB1-48D6-9C71-3B5E2B5839F3}" type="datetimeFigureOut">
               <a:rPr lang="ru-RU" smtClean="0"/>
-              <a:t>24.02.2025</a:t>
+              <a:t>27.02.2025</a:t>
             </a:fld>
             <a:endParaRPr lang="ru-RU"/>
           </a:p>
@@ -7299,7 +7299,7 @@
           <a:p>
             <a:fld id="{D4383D7C-BCB1-48D6-9C71-3B5E2B5839F3}" type="datetimeFigureOut">
               <a:rPr lang="ru-RU" smtClean="0"/>
-              <a:t>24.02.2025</a:t>
+              <a:t>27.02.2025</a:t>
             </a:fld>
             <a:endParaRPr lang="ru-RU"/>
           </a:p>
@@ -7564,7 +7564,7 @@
           <a:p>
             <a:fld id="{D4383D7C-BCB1-48D6-9C71-3B5E2B5839F3}" type="datetimeFigureOut">
               <a:rPr lang="ru-RU" smtClean="0"/>
-              <a:t>24.02.2025</a:t>
+              <a:t>27.02.2025</a:t>
             </a:fld>
             <a:endParaRPr lang="ru-RU"/>
           </a:p>
@@ -7976,7 +7976,7 @@
           <a:p>
             <a:fld id="{D4383D7C-BCB1-48D6-9C71-3B5E2B5839F3}" type="datetimeFigureOut">
               <a:rPr lang="ru-RU" smtClean="0"/>
-              <a:t>24.02.2025</a:t>
+              <a:t>27.02.2025</a:t>
             </a:fld>
             <a:endParaRPr lang="ru-RU"/>
           </a:p>
@@ -8117,7 +8117,7 @@
           <a:p>
             <a:fld id="{D4383D7C-BCB1-48D6-9C71-3B5E2B5839F3}" type="datetimeFigureOut">
               <a:rPr lang="ru-RU" smtClean="0"/>
-              <a:t>24.02.2025</a:t>
+              <a:t>27.02.2025</a:t>
             </a:fld>
             <a:endParaRPr lang="ru-RU"/>
           </a:p>
@@ -8230,7 +8230,7 @@
           <a:p>
             <a:fld id="{D4383D7C-BCB1-48D6-9C71-3B5E2B5839F3}" type="datetimeFigureOut">
               <a:rPr lang="ru-RU" smtClean="0"/>
-              <a:t>24.02.2025</a:t>
+              <a:t>27.02.2025</a:t>
             </a:fld>
             <a:endParaRPr lang="ru-RU"/>
           </a:p>
@@ -8541,7 +8541,7 @@
           <a:p>
             <a:fld id="{D4383D7C-BCB1-48D6-9C71-3B5E2B5839F3}" type="datetimeFigureOut">
               <a:rPr lang="ru-RU" smtClean="0"/>
-              <a:t>24.02.2025</a:t>
+              <a:t>27.02.2025</a:t>
             </a:fld>
             <a:endParaRPr lang="ru-RU"/>
           </a:p>
@@ -8829,7 +8829,7 @@
           <a:p>
             <a:fld id="{D4383D7C-BCB1-48D6-9C71-3B5E2B5839F3}" type="datetimeFigureOut">
               <a:rPr lang="ru-RU" smtClean="0"/>
-              <a:t>24.02.2025</a:t>
+              <a:t>27.02.2025</a:t>
             </a:fld>
             <a:endParaRPr lang="ru-RU"/>
           </a:p>
@@ -9019,7 +9019,7 @@
             <a:pPr rtl="0"/>
             <a:fld id="{2435498C-2776-4754-BDFD-6B3FF9B6428D}" type="datetime1">
               <a:rPr lang="ru-RU" noProof="0" smtClean="0"/>
-              <a:t>24.02.2025</a:t>
+              <a:t>27.02.2025</a:t>
             </a:fld>
             <a:endParaRPr lang="ru-RU" noProof="0" dirty="0"/>
           </a:p>
@@ -9222,7 +9222,7 @@
           <a:p>
             <a:fld id="{D4383D7C-BCB1-48D6-9C71-3B5E2B5839F3}" type="datetimeFigureOut">
               <a:rPr lang="ru-RU" smtClean="0"/>
-              <a:t>24.02.2025</a:t>
+              <a:t>27.02.2025</a:t>
             </a:fld>
             <a:endParaRPr lang="ru-RU"/>
           </a:p>
@@ -9430,7 +9430,7 @@
           <a:p>
             <a:fld id="{D4383D7C-BCB1-48D6-9C71-3B5E2B5839F3}" type="datetimeFigureOut">
               <a:rPr lang="ru-RU" smtClean="0"/>
-              <a:t>24.02.2025</a:t>
+              <a:t>27.02.2025</a:t>
             </a:fld>
             <a:endParaRPr lang="ru-RU"/>
           </a:p>
@@ -9571,7 +9571,7 @@
           <a:p>
             <a:fld id="{D4383D7C-BCB1-48D6-9C71-3B5E2B5839F3}" type="datetimeFigureOut">
               <a:rPr lang="ru-RU" smtClean="0"/>
-              <a:t>24.02.2025</a:t>
+              <a:t>27.02.2025</a:t>
             </a:fld>
             <a:endParaRPr lang="ru-RU"/>
           </a:p>
@@ -9766,7 +9766,7 @@
             <a:pPr rtl="0"/>
             <a:fld id="{7A961358-1323-4982-B48F-0004A3782D73}" type="datetime1">
               <a:rPr lang="ru-RU" noProof="0" smtClean="0"/>
-              <a:t>24.02.2025</a:t>
+              <a:t>27.02.2025</a:t>
             </a:fld>
             <a:endParaRPr lang="ru-RU" noProof="0" dirty="0"/>
           </a:p>
@@ -10226,7 +10226,7 @@
             <a:pPr rtl="0"/>
             <a:fld id="{8A4266B6-E8E7-4F04-A054-74B8F86E3EF1}" type="datetime1">
               <a:rPr lang="ru-RU" noProof="0" smtClean="0"/>
-              <a:t>24.02.2025</a:t>
+              <a:t>27.02.2025</a:t>
             </a:fld>
             <a:endParaRPr lang="ru-RU" noProof="0" dirty="0"/>
           </a:p>
@@ -10810,7 +10810,7 @@
             <a:pPr rtl="0"/>
             <a:fld id="{C77EF5D0-540D-41D6-9136-7FA831C4823F}" type="datetime1">
               <a:rPr lang="ru-RU" noProof="0" smtClean="0"/>
-              <a:t>24.02.2025</a:t>
+              <a:t>27.02.2025</a:t>
             </a:fld>
             <a:endParaRPr lang="ru-RU" noProof="0" dirty="0"/>
           </a:p>
@@ -11214,7 +11214,7 @@
             <a:pPr rtl="0"/>
             <a:fld id="{08E13BE9-C5CD-4F25-838C-97788D4410C6}" type="datetime1">
               <a:rPr lang="ru-RU" noProof="0" smtClean="0"/>
-              <a:t>24.02.2025</a:t>
+              <a:t>27.02.2025</a:t>
             </a:fld>
             <a:endParaRPr lang="ru-RU" noProof="0" dirty="0"/>
           </a:p>
@@ -11357,7 +11357,7 @@
             <a:pPr rtl="0"/>
             <a:fld id="{910EC7FF-E9B9-46A2-ABB1-6B02C8E64350}" type="datetime1">
               <a:rPr lang="ru-RU" noProof="0" smtClean="0"/>
-              <a:t>24.02.2025</a:t>
+              <a:t>27.02.2025</a:t>
             </a:fld>
             <a:endParaRPr lang="ru-RU" noProof="0" dirty="0"/>
           </a:p>
@@ -11549,7 +11549,7 @@
             <a:pPr rtl="0"/>
             <a:fld id="{FC6181B7-7F56-4175-9C58-A45071D8DE7F}" type="datetime1">
               <a:rPr lang="ru-RU" noProof="0" smtClean="0"/>
-              <a:t>24.02.2025</a:t>
+              <a:t>27.02.2025</a:t>
             </a:fld>
             <a:endParaRPr lang="ru-RU" noProof="0" dirty="0"/>
           </a:p>
@@ -11865,7 +11865,7 @@
             <a:pPr rtl="0"/>
             <a:fld id="{D9F2D1E7-3267-41E6-9552-D507126B74F6}" type="datetime1">
               <a:rPr lang="ru-RU" noProof="0" smtClean="0"/>
-              <a:t>24.02.2025</a:t>
+              <a:t>27.02.2025</a:t>
             </a:fld>
             <a:endParaRPr lang="ru-RU" noProof="0" dirty="0"/>
           </a:p>
@@ -12599,7 +12599,7 @@
           <a:p>
             <a:fld id="{D4383D7C-BCB1-48D6-9C71-3B5E2B5839F3}" type="datetimeFigureOut">
               <a:rPr lang="ru-RU" smtClean="0"/>
-              <a:t>24.02.2025</a:t>
+              <a:t>27.02.2025</a:t>
             </a:fld>
             <a:endParaRPr lang="ru-RU"/>
           </a:p>
@@ -18692,15 +18692,6 @@
 </file>
 
 <file path=customXml/item1.xml><?xml version="1.0" encoding="utf-8"?>
-<p:properties xmlns:p="http://schemas.microsoft.com/office/2006/metadata/properties" xmlns:xsi="http://www.w3.org/2001/XMLSchema-instance" xmlns:pc="http://schemas.microsoft.com/office/infopath/2007/PartnerControls">
-  <documentManagement>
-    <Status xmlns="71af3243-3dd4-4a8d-8c0d-dd76da1f02a5">Not started</Status>
-    <MediaServiceKeyPoints xmlns="71af3243-3dd4-4a8d-8c0d-dd76da1f02a5" xsi:nil="true"/>
-  </documentManagement>
-</p:properties>
-</file>
-
-<file path=customXml/item2.xml><?xml version="1.0" encoding="utf-8"?>
 <ct:contentTypeSchema xmlns:ct="http://schemas.microsoft.com/office/2006/metadata/contentType" xmlns:ma="http://schemas.microsoft.com/office/2006/metadata/properties/metaAttributes" ct:_="" ma:_="" ma:contentTypeName="Document" ma:contentTypeID="0x01010079F111ED35F8CC479449609E8A0923A6" ma:contentTypeVersion="12" ma:contentTypeDescription="Create a new document." ma:contentTypeScope="" ma:versionID="fa6e671f1cd7e4d96ff9652be322dd5e">
   <xsd:schema xmlns:xsd="http://www.w3.org/2001/XMLSchema" xmlns:xs="http://www.w3.org/2001/XMLSchema" xmlns:p="http://schemas.microsoft.com/office/2006/metadata/properties" xmlns:ns2="71af3243-3dd4-4a8d-8c0d-dd76da1f02a5" xmlns:ns3="16c05727-aa75-4e4a-9b5f-8a80a1165891" targetNamespace="http://schemas.microsoft.com/office/2006/metadata/properties" ma:root="true" ma:fieldsID="4e2496f70b101db0b8013f30a071bbf7" ns2:_="" ns3:_="">
     <xsd:import namespace="71af3243-3dd4-4a8d-8c0d-dd76da1f02a5"/>
@@ -18921,6 +18912,15 @@
 </ct:contentTypeSchema>
 </file>
 
+<file path=customXml/item2.xml><?xml version="1.0" encoding="utf-8"?>
+<p:properties xmlns:p="http://schemas.microsoft.com/office/2006/metadata/properties" xmlns:xsi="http://www.w3.org/2001/XMLSchema-instance" xmlns:pc="http://schemas.microsoft.com/office/infopath/2007/PartnerControls">
+  <documentManagement>
+    <Status xmlns="71af3243-3dd4-4a8d-8c0d-dd76da1f02a5">Not started</Status>
+    <MediaServiceKeyPoints xmlns="71af3243-3dd4-4a8d-8c0d-dd76da1f02a5" xsi:nil="true"/>
+  </documentManagement>
+</p:properties>
+</file>
+
 <file path=customXml/item3.xml><?xml version="1.0" encoding="utf-8"?>
 <?mso-contentType ?>
 <FormTemplates xmlns="http://schemas.microsoft.com/sharepoint/v3/contenttype/forms">
@@ -18931,16 +18931,6 @@
 </file>
 
 <file path=customXml/itemProps1.xml><?xml version="1.0" encoding="utf-8"?>
-<ds:datastoreItem xmlns:ds="http://schemas.openxmlformats.org/officeDocument/2006/customXml" ds:itemID="{A4E879E6-8FFE-4154-8F2A-F7518B89B376}">
-  <ds:schemaRefs>
-    <ds:schemaRef ds:uri="http://schemas.microsoft.com/office/2006/metadata/properties"/>
-    <ds:schemaRef ds:uri="http://schemas.microsoft.com/office/infopath/2007/PartnerControls"/>
-    <ds:schemaRef ds:uri="71af3243-3dd4-4a8d-8c0d-dd76da1f02a5"/>
-  </ds:schemaRefs>
-</ds:datastoreItem>
-</file>
-
-<file path=customXml/itemProps2.xml><?xml version="1.0" encoding="utf-8"?>
 <ds:datastoreItem xmlns:ds="http://schemas.openxmlformats.org/officeDocument/2006/customXml" ds:itemID="{A941CA7C-A0BF-44EF-B2E5-7539C3B9B0B6}">
   <ds:schemaRefs>
     <ds:schemaRef ds:uri="http://schemas.microsoft.com/office/2006/metadata/contentType"/>
@@ -18959,6 +18949,16 @@
 </ds:datastoreItem>
 </file>
 
+<file path=customXml/itemProps2.xml><?xml version="1.0" encoding="utf-8"?>
+<ds:datastoreItem xmlns:ds="http://schemas.openxmlformats.org/officeDocument/2006/customXml" ds:itemID="{A4E879E6-8FFE-4154-8F2A-F7518B89B376}">
+  <ds:schemaRefs>
+    <ds:schemaRef ds:uri="http://schemas.microsoft.com/office/2006/metadata/properties"/>
+    <ds:schemaRef ds:uri="http://schemas.microsoft.com/office/infopath/2007/PartnerControls"/>
+    <ds:schemaRef ds:uri="71af3243-3dd4-4a8d-8c0d-dd76da1f02a5"/>
+  </ds:schemaRefs>
+</ds:datastoreItem>
+</file>
+
 <file path=customXml/itemProps3.xml><?xml version="1.0" encoding="utf-8"?>
 <ds:datastoreItem xmlns:ds="http://schemas.openxmlformats.org/officeDocument/2006/customXml" ds:itemID="{7E0A2CB4-6869-426F-8BC4-A32C90CBE263}">
   <ds:schemaRefs>
